--- a/빅데이터 기반 울산페이 사용 분석 보고서_ProjectB(종합).pptx
+++ b/빅데이터 기반 울산페이 사용 분석 보고서_ProjectB(종합).pptx
@@ -19,15 +19,17 @@
     <p:sldId id="384" r:id="rId13"/>
     <p:sldId id="385" r:id="rId14"/>
     <p:sldId id="386" r:id="rId15"/>
-    <p:sldId id="390" r:id="rId16"/>
-    <p:sldId id="391" r:id="rId17"/>
-    <p:sldId id="392" r:id="rId18"/>
-    <p:sldId id="272" r:id="rId19"/>
-    <p:sldId id="273" r:id="rId20"/>
-    <p:sldId id="395" r:id="rId21"/>
-    <p:sldId id="396" r:id="rId22"/>
-    <p:sldId id="397" r:id="rId23"/>
-    <p:sldId id="276" r:id="rId24"/>
+    <p:sldId id="399" r:id="rId16"/>
+    <p:sldId id="400" r:id="rId17"/>
+    <p:sldId id="390" r:id="rId18"/>
+    <p:sldId id="391" r:id="rId19"/>
+    <p:sldId id="392" r:id="rId20"/>
+    <p:sldId id="272" r:id="rId21"/>
+    <p:sldId id="273" r:id="rId22"/>
+    <p:sldId id="395" r:id="rId23"/>
+    <p:sldId id="396" r:id="rId24"/>
+    <p:sldId id="397" r:id="rId25"/>
+    <p:sldId id="276" r:id="rId26"/>
   </p:sldIdLst>
   <p:sldSz cx="9144000" cy="6858000" type="screen4x3"/>
   <p:notesSz cx="6807200" cy="9939338"/>
@@ -1726,7 +1728,7 @@
         <p:spPr>
           <a:xfrm>
             <a:off x="2411760" y="5412771"/>
-            <a:ext cx="4320480" cy="1512813"/>
+            <a:ext cx="5045108" cy="1512813"/>
           </a:xfrm>
           <a:prstGeom prst="rect">
             <a:avLst/>
@@ -2089,6 +2091,38 @@
                 <a:cs typeface="+mn-cs"/>
               </a:rPr>
               <a:t>장정렬</a:t>
+            </a:r>
+            <a:r>
+              <a:rPr kumimoji="0" lang="en-US" altLang="ko-KR" sz="1400" b="0" i="0" u="none" strike="noStrike" kern="1200" cap="none" spc="0" normalizeH="0" baseline="0" noProof="0" dirty="0">
+                <a:ln>
+                  <a:noFill/>
+                </a:ln>
+                <a:solidFill>
+                  <a:prstClr val="black"/>
+                </a:solidFill>
+                <a:effectLst/>
+                <a:uLnTx/>
+                <a:uFillTx/>
+                <a:latin typeface="KoPub돋움체 Light"/>
+                <a:cs typeface="+mn-cs"/>
+              </a:rPr>
+              <a:t>, </a:t>
+            </a:r>
+            <a:r>
+              <a:rPr kumimoji="0" lang="ko-KR" altLang="en-US" sz="1400" b="0" i="0" u="none" strike="noStrike" kern="1200" cap="none" spc="0" normalizeH="0" baseline="0" noProof="0" dirty="0" err="1">
+                <a:ln>
+                  <a:noFill/>
+                </a:ln>
+                <a:solidFill>
+                  <a:prstClr val="black"/>
+                </a:solidFill>
+                <a:effectLst/>
+                <a:uLnTx/>
+                <a:uFillTx/>
+                <a:latin typeface="KoPub돋움체 Light"/>
+                <a:cs typeface="+mn-cs"/>
+              </a:rPr>
+              <a:t>박다솜</a:t>
             </a:r>
             <a:r>
               <a:rPr kumimoji="0" lang="en-US" altLang="ko-KR" sz="1400" b="0" i="0" u="none" strike="noStrike" kern="1200" cap="none" spc="0" normalizeH="0" baseline="0" noProof="0" dirty="0">
@@ -8880,7 +8914,7 @@
         <p:spPr>
           <a:xfrm>
             <a:off x="7524205" y="1638755"/>
-            <a:ext cx="1619795" cy="3790406"/>
+            <a:ext cx="1619795" cy="2613740"/>
           </a:xfrm>
           <a:prstGeom prst="roundRect">
             <a:avLst>
@@ -8920,6 +8954,42 @@
               <a:buFont typeface="Arial" panose="020B0604020202020204" pitchFamily="34" charset="0"/>
               <a:buChar char="•"/>
             </a:pPr>
+            <a:r>
+              <a:rPr lang="ko-KR" altLang="en-US" sz="1100" spc="-60" dirty="0" err="1">
+                <a:ln>
+                  <a:solidFill>
+                    <a:prstClr val="white">
+                      <a:alpha val="0"/>
+                    </a:prstClr>
+                  </a:solidFill>
+                </a:ln>
+                <a:solidFill>
+                  <a:schemeClr val="tx2">
+                    <a:lumMod val="75000"/>
+                  </a:schemeClr>
+                </a:solidFill>
+                <a:latin typeface="+mj-ea"/>
+              </a:rPr>
+              <a:t>승인일자별</a:t>
+            </a:r>
+            <a:r>
+              <a:rPr lang="ko-KR" altLang="en-US" sz="1100" spc="-60" dirty="0">
+                <a:ln>
+                  <a:solidFill>
+                    <a:prstClr val="white">
+                      <a:alpha val="0"/>
+                    </a:prstClr>
+                  </a:solidFill>
+                </a:ln>
+                <a:solidFill>
+                  <a:schemeClr val="tx2">
+                    <a:lumMod val="75000"/>
+                  </a:schemeClr>
+                </a:solidFill>
+                <a:latin typeface="+mj-ea"/>
+              </a:rPr>
+              <a:t> 거래금액 집계</a:t>
+            </a:r>
             <a:endParaRPr lang="en-US" altLang="ko-KR" sz="1100" spc="-60" dirty="0">
               <a:ln>
                 <a:solidFill>
@@ -8934,7 +9004,6 @@
                 </a:schemeClr>
               </a:solidFill>
               <a:latin typeface="+mj-ea"/>
-              <a:ea typeface="+mj-ea"/>
             </a:endParaRPr>
           </a:p>
           <a:p>
@@ -8942,158 +9011,6 @@
               <a:buFont typeface="Arial" panose="020B0604020202020204" pitchFamily="34" charset="0"/>
               <a:buChar char="•"/>
             </a:pPr>
-            <a:r>
-              <a:rPr lang="en-US" altLang="ko-KR" sz="1100" spc="-60" dirty="0">
-                <a:ln>
-                  <a:solidFill>
-                    <a:prstClr val="white">
-                      <a:alpha val="0"/>
-                    </a:prstClr>
-                  </a:solidFill>
-                </a:ln>
-                <a:solidFill>
-                  <a:schemeClr val="tx2">
-                    <a:lumMod val="75000"/>
-                  </a:schemeClr>
-                </a:solidFill>
-                <a:latin typeface="+mj-ea"/>
-                <a:ea typeface="+mj-ea"/>
-              </a:rPr>
-              <a:t>filter</a:t>
-            </a:r>
-            <a:r>
-              <a:rPr lang="ko-KR" altLang="en-US" sz="1100" spc="-60" dirty="0">
-                <a:ln>
-                  <a:solidFill>
-                    <a:prstClr val="white">
-                      <a:alpha val="0"/>
-                    </a:prstClr>
-                  </a:solidFill>
-                </a:ln>
-                <a:solidFill>
-                  <a:schemeClr val="tx2">
-                    <a:lumMod val="75000"/>
-                  </a:schemeClr>
-                </a:solidFill>
-                <a:latin typeface="+mj-ea"/>
-                <a:ea typeface="+mj-ea"/>
-              </a:rPr>
-              <a:t> 활용하여 </a:t>
-            </a:r>
-            <a:r>
-              <a:rPr lang="en-US" altLang="ko-KR" sz="1100" spc="-60" dirty="0">
-                <a:ln>
-                  <a:solidFill>
-                    <a:prstClr val="white">
-                      <a:alpha val="0"/>
-                    </a:prstClr>
-                  </a:solidFill>
-                </a:ln>
-                <a:solidFill>
-                  <a:schemeClr val="tx2">
-                    <a:lumMod val="75000"/>
-                  </a:schemeClr>
-                </a:solidFill>
-                <a:latin typeface="+mj-ea"/>
-                <a:ea typeface="+mj-ea"/>
-              </a:rPr>
-              <a:t>‘</a:t>
-            </a:r>
-            <a:r>
-              <a:rPr lang="ko-KR" altLang="en-US" sz="1100" spc="-60" dirty="0">
-                <a:ln>
-                  <a:solidFill>
-                    <a:prstClr val="white">
-                      <a:alpha val="0"/>
-                    </a:prstClr>
-                  </a:solidFill>
-                </a:ln>
-                <a:solidFill>
-                  <a:schemeClr val="tx2">
-                    <a:lumMod val="75000"/>
-                  </a:schemeClr>
-                </a:solidFill>
-                <a:latin typeface="+mj-ea"/>
-                <a:ea typeface="+mj-ea"/>
-              </a:rPr>
-              <a:t>카테고리</a:t>
-            </a:r>
-            <a:r>
-              <a:rPr lang="en-US" altLang="ko-KR" sz="1100" spc="-60" dirty="0">
-                <a:ln>
-                  <a:solidFill>
-                    <a:prstClr val="white">
-                      <a:alpha val="0"/>
-                    </a:prstClr>
-                  </a:solidFill>
-                </a:ln>
-                <a:solidFill>
-                  <a:schemeClr val="tx2">
-                    <a:lumMod val="75000"/>
-                  </a:schemeClr>
-                </a:solidFill>
-                <a:latin typeface="+mj-ea"/>
-                <a:ea typeface="+mj-ea"/>
-              </a:rPr>
-              <a:t>’, ‘</a:t>
-            </a:r>
-            <a:r>
-              <a:rPr lang="ko-KR" altLang="en-US" sz="1100" spc="-60" dirty="0">
-                <a:ln>
-                  <a:solidFill>
-                    <a:prstClr val="white">
-                      <a:alpha val="0"/>
-                    </a:prstClr>
-                  </a:solidFill>
-                </a:ln>
-                <a:solidFill>
-                  <a:schemeClr val="tx2">
-                    <a:lumMod val="75000"/>
-                  </a:schemeClr>
-                </a:solidFill>
-                <a:latin typeface="+mj-ea"/>
-                <a:ea typeface="+mj-ea"/>
-              </a:rPr>
-              <a:t>거래금액</a:t>
-            </a:r>
-            <a:r>
-              <a:rPr lang="en-US" altLang="ko-KR" sz="1100" spc="-60" dirty="0">
-                <a:ln>
-                  <a:solidFill>
-                    <a:prstClr val="white">
-                      <a:alpha val="0"/>
-                    </a:prstClr>
-                  </a:solidFill>
-                </a:ln>
-                <a:solidFill>
-                  <a:schemeClr val="tx2">
-                    <a:lumMod val="75000"/>
-                  </a:schemeClr>
-                </a:solidFill>
-                <a:latin typeface="+mj-ea"/>
-                <a:ea typeface="+mj-ea"/>
-              </a:rPr>
-              <a:t>‘ </a:t>
-            </a:r>
-            <a:r>
-              <a:rPr lang="ko-KR" altLang="en-US" sz="1100" spc="-60" dirty="0">
-                <a:ln>
-                  <a:solidFill>
-                    <a:prstClr val="white">
-                      <a:alpha val="0"/>
-                    </a:prstClr>
-                  </a:solidFill>
-                </a:ln>
-                <a:solidFill>
-                  <a:schemeClr val="tx2">
-                    <a:lumMod val="75000"/>
-                  </a:schemeClr>
-                </a:solidFill>
-                <a:latin typeface="+mj-ea"/>
-                <a:ea typeface="+mj-ea"/>
-              </a:rPr>
-              <a:t> 항목만 필터링</a:t>
-            </a:r>
             <a:endParaRPr lang="en-US" altLang="ko-KR" sz="1100" spc="-60" dirty="0">
               <a:ln>
                 <a:solidFill>
@@ -9108,7 +9025,6 @@
                 </a:schemeClr>
               </a:solidFill>
               <a:latin typeface="+mj-ea"/>
-              <a:ea typeface="+mj-ea"/>
             </a:endParaRPr>
           </a:p>
           <a:p>
@@ -9116,6 +9032,96 @@
               <a:buFont typeface="Arial" panose="020B0604020202020204" pitchFamily="34" charset="0"/>
               <a:buChar char="•"/>
             </a:pPr>
+            <a:r>
+              <a:rPr lang="en-US" altLang="ko-KR" sz="1100" spc="-60" dirty="0" err="1">
+                <a:ln>
+                  <a:solidFill>
+                    <a:prstClr val="white">
+                      <a:alpha val="0"/>
+                    </a:prstClr>
+                  </a:solidFill>
+                </a:ln>
+                <a:solidFill>
+                  <a:schemeClr val="tx2">
+                    <a:lumMod val="75000"/>
+                  </a:schemeClr>
+                </a:solidFill>
+                <a:latin typeface="+mj-ea"/>
+              </a:rPr>
+              <a:t>datetime</a:t>
+            </a:r>
+            <a:r>
+              <a:rPr lang="en-US" altLang="ko-KR" sz="1100" spc="-60" dirty="0">
+                <a:ln>
+                  <a:solidFill>
+                    <a:prstClr val="white">
+                      <a:alpha val="0"/>
+                    </a:prstClr>
+                  </a:solidFill>
+                </a:ln>
+                <a:solidFill>
+                  <a:schemeClr val="tx2">
+                    <a:lumMod val="75000"/>
+                  </a:schemeClr>
+                </a:solidFill>
+                <a:latin typeface="+mj-ea"/>
+              </a:rPr>
+              <a:t> </a:t>
+            </a:r>
+            <a:r>
+              <a:rPr lang="ko-KR" altLang="en-US" sz="1100" spc="-60" dirty="0">
+                <a:ln>
+                  <a:solidFill>
+                    <a:prstClr val="white">
+                      <a:alpha val="0"/>
+                    </a:prstClr>
+                  </a:solidFill>
+                </a:ln>
+                <a:solidFill>
+                  <a:schemeClr val="tx2">
+                    <a:lumMod val="75000"/>
+                  </a:schemeClr>
+                </a:solidFill>
+                <a:latin typeface="+mj-ea"/>
+              </a:rPr>
+              <a:t>함수 활용</a:t>
+            </a:r>
+            <a:r>
+              <a:rPr lang="en-US" altLang="ko-KR" sz="1100" spc="-60" dirty="0">
+                <a:ln>
+                  <a:solidFill>
+                    <a:prstClr val="white">
+                      <a:alpha val="0"/>
+                    </a:prstClr>
+                  </a:solidFill>
+                </a:ln>
+                <a:solidFill>
+                  <a:schemeClr val="tx2">
+                    <a:lumMod val="75000"/>
+                  </a:schemeClr>
+                </a:solidFill>
+                <a:latin typeface="+mj-ea"/>
+              </a:rPr>
+              <a:t>date/month/day</a:t>
+            </a:r>
+            <a:r>
+              <a:rPr lang="ko-KR" altLang="en-US" sz="1100" spc="-60" dirty="0">
+                <a:ln>
+                  <a:solidFill>
+                    <a:prstClr val="white">
+                      <a:alpha val="0"/>
+                    </a:prstClr>
+                  </a:solidFill>
+                </a:ln>
+                <a:solidFill>
+                  <a:schemeClr val="tx2">
+                    <a:lumMod val="75000"/>
+                  </a:schemeClr>
+                </a:solidFill>
+                <a:latin typeface="+mj-ea"/>
+              </a:rPr>
+              <a:t>로 분류</a:t>
+            </a:r>
             <a:endParaRPr lang="en-US" altLang="ko-KR" sz="1100" spc="-60" dirty="0">
               <a:ln>
                 <a:solidFill>
@@ -9130,7 +9136,6 @@
                 </a:schemeClr>
               </a:solidFill>
               <a:latin typeface="+mj-ea"/>
-              <a:ea typeface="+mj-ea"/>
             </a:endParaRPr>
           </a:p>
           <a:p>
@@ -9138,44 +9143,6 @@
               <a:buFont typeface="Arial" panose="020B0604020202020204" pitchFamily="34" charset="0"/>
               <a:buChar char="•"/>
             </a:pPr>
-            <a:r>
-              <a:rPr lang="en-US" altLang="ko-KR" sz="1100" spc="-60" dirty="0" err="1">
-                <a:ln>
-                  <a:solidFill>
-                    <a:prstClr val="white">
-                      <a:alpha val="0"/>
-                    </a:prstClr>
-                  </a:solidFill>
-                </a:ln>
-                <a:solidFill>
-                  <a:schemeClr val="tx2">
-                    <a:lumMod val="75000"/>
-                  </a:schemeClr>
-                </a:solidFill>
-                <a:latin typeface="+mj-ea"/>
-                <a:ea typeface="+mj-ea"/>
-              </a:rPr>
-              <a:t>groupby</a:t>
-            </a:r>
-            <a:r>
-              <a:rPr lang="ko-KR" altLang="en-US" sz="1100" spc="-60" dirty="0">
-                <a:ln>
-                  <a:solidFill>
-                    <a:prstClr val="white">
-                      <a:alpha val="0"/>
-                    </a:prstClr>
-                  </a:solidFill>
-                </a:ln>
-                <a:solidFill>
-                  <a:schemeClr val="tx2">
-                    <a:lumMod val="75000"/>
-                  </a:schemeClr>
-                </a:solidFill>
-                <a:latin typeface="+mj-ea"/>
-                <a:ea typeface="+mj-ea"/>
-              </a:rPr>
-              <a:t> 활용하여 카테고리별 거래금액 합계 구함</a:t>
-            </a:r>
             <a:endParaRPr lang="en-US" altLang="ko-KR" sz="1100" spc="-60" dirty="0">
               <a:ln>
                 <a:solidFill>
@@ -9190,7 +9157,6 @@
                 </a:schemeClr>
               </a:solidFill>
               <a:latin typeface="+mj-ea"/>
-              <a:ea typeface="+mj-ea"/>
             </a:endParaRPr>
           </a:p>
           <a:p>
@@ -9198,6 +9164,114 @@
               <a:buFont typeface="Arial" panose="020B0604020202020204" pitchFamily="34" charset="0"/>
               <a:buChar char="•"/>
             </a:pPr>
+            <a:r>
+              <a:rPr lang="ko-KR" altLang="en-US" sz="1100" spc="-60" dirty="0">
+                <a:ln>
+                  <a:solidFill>
+                    <a:prstClr val="white">
+                      <a:alpha val="0"/>
+                    </a:prstClr>
+                  </a:solidFill>
+                </a:ln>
+                <a:solidFill>
+                  <a:schemeClr val="tx2">
+                    <a:lumMod val="75000"/>
+                  </a:schemeClr>
+                </a:solidFill>
+                <a:latin typeface="+mj-ea"/>
+              </a:rPr>
+              <a:t>월 </a:t>
+            </a:r>
+            <a:r>
+              <a:rPr lang="en-US" altLang="ko-KR" sz="1100" spc="-60" dirty="0">
+                <a:ln>
+                  <a:solidFill>
+                    <a:prstClr val="white">
+                      <a:alpha val="0"/>
+                    </a:prstClr>
+                  </a:solidFill>
+                </a:ln>
+                <a:solidFill>
+                  <a:schemeClr val="tx2">
+                    <a:lumMod val="75000"/>
+                  </a:schemeClr>
+                </a:solidFill>
+                <a:latin typeface="+mj-ea"/>
+              </a:rPr>
+              <a:t>/ </a:t>
+            </a:r>
+            <a:r>
+              <a:rPr lang="ko-KR" altLang="en-US" sz="1100" spc="-60" dirty="0">
+                <a:ln>
+                  <a:solidFill>
+                    <a:prstClr val="white">
+                      <a:alpha val="0"/>
+                    </a:prstClr>
+                  </a:solidFill>
+                </a:ln>
+                <a:solidFill>
+                  <a:schemeClr val="tx2">
+                    <a:lumMod val="75000"/>
+                  </a:schemeClr>
+                </a:solidFill>
+                <a:latin typeface="+mj-ea"/>
+              </a:rPr>
+              <a:t>주 를 기준으로 데이터 분류 및  </a:t>
+            </a:r>
+            <a:r>
+              <a:rPr lang="en-US" altLang="ko-KR" sz="1100" spc="-60" dirty="0" err="1">
+                <a:ln>
+                  <a:solidFill>
+                    <a:prstClr val="white">
+                      <a:alpha val="0"/>
+                    </a:prstClr>
+                  </a:solidFill>
+                </a:ln>
+                <a:solidFill>
+                  <a:schemeClr val="tx2">
+                    <a:lumMod val="75000"/>
+                  </a:schemeClr>
+                </a:solidFill>
+                <a:latin typeface="+mj-ea"/>
+              </a:rPr>
+              <a:t>plt.bar</a:t>
+            </a:r>
+            <a:r>
+              <a:rPr lang="en-US" altLang="ko-KR" sz="1100" spc="-60" dirty="0">
+                <a:ln>
+                  <a:solidFill>
+                    <a:prstClr val="white">
+                      <a:alpha val="0"/>
+                    </a:prstClr>
+                  </a:solidFill>
+                </a:ln>
+                <a:solidFill>
+                  <a:schemeClr val="tx2">
+                    <a:lumMod val="75000"/>
+                  </a:schemeClr>
+                </a:solidFill>
+                <a:latin typeface="+mj-ea"/>
+              </a:rPr>
+              <a:t> </a:t>
+            </a:r>
+            <a:r>
+              <a:rPr lang="ko-KR" altLang="en-US" sz="1100" spc="-60" dirty="0">
+                <a:ln>
+                  <a:solidFill>
+                    <a:prstClr val="white">
+                      <a:alpha val="0"/>
+                    </a:prstClr>
+                  </a:solidFill>
+                </a:ln>
+                <a:solidFill>
+                  <a:schemeClr val="tx2">
+                    <a:lumMod val="75000"/>
+                  </a:schemeClr>
+                </a:solidFill>
+                <a:latin typeface="+mj-ea"/>
+              </a:rPr>
+              <a:t>활용하여 막대 차트 작성</a:t>
+            </a:r>
             <a:endParaRPr lang="en-US" altLang="ko-KR" sz="1100" spc="-60" dirty="0">
               <a:ln>
                 <a:solidFill>
@@ -9212,7 +9286,6 @@
                 </a:schemeClr>
               </a:solidFill>
               <a:latin typeface="+mj-ea"/>
-              <a:ea typeface="+mj-ea"/>
             </a:endParaRPr>
           </a:p>
           <a:p>
@@ -9220,63 +9293,6 @@
               <a:buFont typeface="Arial" panose="020B0604020202020204" pitchFamily="34" charset="0"/>
               <a:buChar char="•"/>
             </a:pPr>
-            <a:r>
-              <a:rPr lang="en-US" altLang="ko-KR" sz="1100" spc="-60" dirty="0" err="1">
-                <a:ln>
-                  <a:solidFill>
-                    <a:prstClr val="white">
-                      <a:alpha val="0"/>
-                    </a:prstClr>
-                  </a:solidFill>
-                </a:ln>
-                <a:solidFill>
-                  <a:schemeClr val="tx2">
-                    <a:lumMod val="75000"/>
-                  </a:schemeClr>
-                </a:solidFill>
-                <a:latin typeface="+mj-ea"/>
-                <a:ea typeface="+mj-ea"/>
-              </a:rPr>
-              <a:t>sort_values</a:t>
-            </a:r>
-            <a:r>
-              <a:rPr lang="en-US" altLang="ko-KR" sz="1100" spc="-60" dirty="0">
-                <a:ln>
-                  <a:solidFill>
-                    <a:prstClr val="white">
-                      <a:alpha val="0"/>
-                    </a:prstClr>
-                  </a:solidFill>
-                </a:ln>
-                <a:solidFill>
-                  <a:schemeClr val="tx2">
-                    <a:lumMod val="75000"/>
-                  </a:schemeClr>
-                </a:solidFill>
-                <a:latin typeface="+mj-ea"/>
-                <a:ea typeface="+mj-ea"/>
-              </a:rPr>
-              <a:t> </a:t>
-            </a:r>
-            <a:r>
-              <a:rPr lang="ko-KR" altLang="en-US" sz="1100" spc="-60" dirty="0">
-                <a:ln>
-                  <a:solidFill>
-                    <a:prstClr val="white">
-                      <a:alpha val="0"/>
-                    </a:prstClr>
-                  </a:solidFill>
-                </a:ln>
-                <a:solidFill>
-                  <a:schemeClr val="tx2">
-                    <a:lumMod val="75000"/>
-                  </a:schemeClr>
-                </a:solidFill>
-                <a:latin typeface="+mj-ea"/>
-                <a:ea typeface="+mj-ea"/>
-              </a:rPr>
-              <a:t>함수로 내림차순 정렬</a:t>
-            </a:r>
             <a:endParaRPr lang="en-US" altLang="ko-KR" sz="1100" spc="-60" dirty="0">
               <a:ln>
                 <a:solidFill>
@@ -9291,7 +9307,6 @@
                 </a:schemeClr>
               </a:solidFill>
               <a:latin typeface="+mj-ea"/>
-              <a:ea typeface="+mj-ea"/>
             </a:endParaRPr>
           </a:p>
           <a:p>
@@ -9299,22 +9314,96 @@
               <a:buFont typeface="Arial" panose="020B0604020202020204" pitchFamily="34" charset="0"/>
               <a:buChar char="•"/>
             </a:pPr>
-            <a:endParaRPr lang="en-US" altLang="ko-KR" sz="1100" spc="-60" dirty="0">
-              <a:ln>
-                <a:solidFill>
-                  <a:prstClr val="white">
-                    <a:alpha val="0"/>
-                  </a:prstClr>
-                </a:solidFill>
-              </a:ln>
-              <a:solidFill>
-                <a:schemeClr val="tx2">
-                  <a:lumMod val="75000"/>
-                </a:schemeClr>
-              </a:solidFill>
-              <a:latin typeface="+mj-ea"/>
-              <a:ea typeface="+mj-ea"/>
-            </a:endParaRPr>
+            <a:r>
+              <a:rPr lang="en-US" altLang="ko-KR" sz="1100" spc="-60" dirty="0">
+                <a:ln>
+                  <a:solidFill>
+                    <a:prstClr val="white">
+                      <a:alpha val="0"/>
+                    </a:prstClr>
+                  </a:solidFill>
+                </a:ln>
+                <a:solidFill>
+                  <a:schemeClr val="tx2">
+                    <a:lumMod val="75000"/>
+                  </a:schemeClr>
+                </a:solidFill>
+                <a:latin typeface="+mj-ea"/>
+              </a:rPr>
+              <a:t>x</a:t>
+            </a:r>
+            <a:r>
+              <a:rPr lang="ko-KR" altLang="en-US" sz="1100" spc="-60" dirty="0">
+                <a:ln>
+                  <a:solidFill>
+                    <a:prstClr val="white">
+                      <a:alpha val="0"/>
+                    </a:prstClr>
+                  </a:solidFill>
+                </a:ln>
+                <a:solidFill>
+                  <a:schemeClr val="tx2">
+                    <a:lumMod val="75000"/>
+                  </a:schemeClr>
+                </a:solidFill>
+                <a:latin typeface="+mj-ea"/>
+              </a:rPr>
+              <a:t>축 </a:t>
+            </a:r>
+            <a:r>
+              <a:rPr lang="en-US" altLang="ko-KR" sz="1100" spc="-60" dirty="0">
+                <a:ln>
+                  <a:solidFill>
+                    <a:prstClr val="white">
+                      <a:alpha val="0"/>
+                    </a:prstClr>
+                  </a:solidFill>
+                </a:ln>
+                <a:solidFill>
+                  <a:schemeClr val="tx2">
+                    <a:lumMod val="75000"/>
+                  </a:schemeClr>
+                </a:solidFill>
+                <a:latin typeface="+mj-ea"/>
+              </a:rPr>
+              <a:t>: week (</a:t>
+            </a:r>
+            <a:r>
+              <a:rPr lang="ko-KR" altLang="en-US" sz="1100" spc="-60" dirty="0">
+                <a:ln>
+                  <a:solidFill>
+                    <a:prstClr val="white">
+                      <a:alpha val="0"/>
+                    </a:prstClr>
+                  </a:solidFill>
+                </a:ln>
+                <a:solidFill>
+                  <a:schemeClr val="tx2">
+                    <a:lumMod val="75000"/>
+                  </a:schemeClr>
+                </a:solidFill>
+                <a:latin typeface="+mj-ea"/>
+              </a:rPr>
+              <a:t>주차</a:t>
+            </a:r>
+            <a:r>
+              <a:rPr lang="en-US" altLang="ko-KR" sz="1100" spc="-60" dirty="0">
+                <a:ln>
+                  <a:solidFill>
+                    <a:prstClr val="white">
+                      <a:alpha val="0"/>
+                    </a:prstClr>
+                  </a:solidFill>
+                </a:ln>
+                <a:solidFill>
+                  <a:schemeClr val="tx2">
+                    <a:lumMod val="75000"/>
+                  </a:schemeClr>
+                </a:solidFill>
+                <a:latin typeface="+mj-ea"/>
+              </a:rPr>
+              <a:t>)</a:t>
+            </a:r>
           </a:p>
           <a:p>
             <a:pPr marL="171450" indent="-171450">
@@ -9336,9 +9425,8 @@
                   </a:schemeClr>
                 </a:solidFill>
                 <a:latin typeface="+mj-ea"/>
-                <a:ea typeface="+mj-ea"/>
-              </a:rPr>
-              <a:t>bar </a:t>
+              </a:rPr>
+              <a:t>y</a:t>
             </a:r>
             <a:r>
               <a:rPr lang="ko-KR" altLang="en-US" sz="1100" spc="-60" dirty="0">
@@ -9355,26 +9443,99 @@
                   </a:schemeClr>
                 </a:solidFill>
                 <a:latin typeface="+mj-ea"/>
-                <a:ea typeface="+mj-ea"/>
-              </a:rPr>
-              <a:t>차트 그리기</a:t>
-            </a:r>
-            <a:endParaRPr lang="en-US" altLang="ko-KR" sz="1100" spc="-60" dirty="0">
-              <a:ln>
-                <a:solidFill>
-                  <a:prstClr val="white">
-                    <a:alpha val="0"/>
-                  </a:prstClr>
-                </a:solidFill>
-              </a:ln>
-              <a:solidFill>
-                <a:schemeClr val="tx2">
-                  <a:lumMod val="75000"/>
-                </a:schemeClr>
-              </a:solidFill>
-              <a:latin typeface="+mj-ea"/>
-              <a:ea typeface="+mj-ea"/>
-            </a:endParaRPr>
+              </a:rPr>
+              <a:t>축 </a:t>
+            </a:r>
+            <a:r>
+              <a:rPr lang="en-US" altLang="ko-KR" sz="1100" spc="-60" dirty="0">
+                <a:ln>
+                  <a:solidFill>
+                    <a:prstClr val="white">
+                      <a:alpha val="0"/>
+                    </a:prstClr>
+                  </a:solidFill>
+                </a:ln>
+                <a:solidFill>
+                  <a:schemeClr val="tx2">
+                    <a:lumMod val="75000"/>
+                  </a:schemeClr>
+                </a:solidFill>
+                <a:latin typeface="+mj-ea"/>
+              </a:rPr>
+              <a:t>: </a:t>
+            </a:r>
+            <a:r>
+              <a:rPr lang="ko-KR" altLang="en-US" sz="1100" spc="-60" dirty="0">
+                <a:ln>
+                  <a:solidFill>
+                    <a:prstClr val="white">
+                      <a:alpha val="0"/>
+                    </a:prstClr>
+                  </a:solidFill>
+                </a:ln>
+                <a:solidFill>
+                  <a:schemeClr val="tx2">
+                    <a:lumMod val="75000"/>
+                  </a:schemeClr>
+                </a:solidFill>
+                <a:latin typeface="+mj-ea"/>
+              </a:rPr>
+              <a:t>누적 거래금액 </a:t>
+            </a:r>
+            <a:r>
+              <a:rPr lang="en-US" altLang="ko-KR" sz="1100" spc="-60" dirty="0">
+                <a:ln>
+                  <a:solidFill>
+                    <a:prstClr val="white">
+                      <a:alpha val="0"/>
+                    </a:prstClr>
+                  </a:solidFill>
+                </a:ln>
+                <a:solidFill>
+                  <a:schemeClr val="tx2">
+                    <a:lumMod val="75000"/>
+                  </a:schemeClr>
+                </a:solidFill>
+                <a:latin typeface="+mj-ea"/>
+              </a:rPr>
+              <a:t>(</a:t>
+            </a:r>
+            <a:r>
+              <a:rPr lang="ko-KR" altLang="en-US" sz="1100" spc="-60" dirty="0">
+                <a:ln>
+                  <a:solidFill>
+                    <a:prstClr val="white">
+                      <a:alpha val="0"/>
+                    </a:prstClr>
+                  </a:solidFill>
+                </a:ln>
+                <a:solidFill>
+                  <a:schemeClr val="tx2">
+                    <a:lumMod val="75000"/>
+                  </a:schemeClr>
+                </a:solidFill>
+                <a:latin typeface="+mj-ea"/>
+              </a:rPr>
+              <a:t>억원</a:t>
+            </a:r>
+            <a:r>
+              <a:rPr lang="en-US" altLang="ko-KR" sz="1100" spc="-60" dirty="0">
+                <a:ln>
+                  <a:solidFill>
+                    <a:prstClr val="white">
+                      <a:alpha val="0"/>
+                    </a:prstClr>
+                  </a:solidFill>
+                </a:ln>
+                <a:solidFill>
+                  <a:schemeClr val="tx2">
+                    <a:lumMod val="75000"/>
+                  </a:schemeClr>
+                </a:solidFill>
+                <a:latin typeface="+mj-ea"/>
+              </a:rPr>
+              <a:t>)</a:t>
+            </a:r>
           </a:p>
         </p:txBody>
       </p:sp>
@@ -9477,6 +9638,3766 @@
                   <a:srgbClr val="FF0000"/>
                 </a:solidFill>
               </a:rPr>
+              <a:t>승자 일자 기준</a:t>
+            </a:r>
+            <a:r>
+              <a:rPr lang="en-US" altLang="ko-KR" sz="3600" dirty="0">
+                <a:solidFill>
+                  <a:srgbClr val="FF0000"/>
+                </a:solidFill>
+              </a:rPr>
+              <a:t>_</a:t>
+            </a:r>
+            <a:r>
+              <a:rPr lang="ko-KR" altLang="en-US" sz="3600" dirty="0">
+                <a:solidFill>
+                  <a:srgbClr val="FF0000"/>
+                </a:solidFill>
+              </a:rPr>
+              <a:t>박다솜</a:t>
+            </a:r>
+            <a:r>
+              <a:rPr lang="en-US" altLang="ko-KR" sz="3600" dirty="0">
+                <a:solidFill>
+                  <a:srgbClr val="FF0000"/>
+                </a:solidFill>
+              </a:rPr>
+              <a:t>&gt;</a:t>
+            </a:r>
+            <a:endParaRPr lang="ko-KR" altLang="en-US" sz="1200" strike="sngStrike" dirty="0">
+              <a:solidFill>
+                <a:srgbClr val="FF0000"/>
+              </a:solidFill>
+            </a:endParaRPr>
+          </a:p>
+        </p:txBody>
+      </p:sp>
+      <p:sp>
+        <p:nvSpPr>
+          <p:cNvPr id="12" name="텍스트 개체 틀 6">
+            <a:extLst>
+              <a:ext uri="{FF2B5EF4-FFF2-40B4-BE49-F238E27FC236}">
+                <a16:creationId xmlns:a16="http://schemas.microsoft.com/office/drawing/2014/main" id="{D0EDCBAB-5962-4C0F-BC25-2F0336FB4678}"/>
+              </a:ext>
+            </a:extLst>
+          </p:cNvPr>
+          <p:cNvSpPr txBox="1">
+            <a:spLocks/>
+          </p:cNvSpPr>
+          <p:nvPr/>
+        </p:nvSpPr>
+        <p:spPr>
+          <a:xfrm>
+            <a:off x="544513" y="2068942"/>
+            <a:ext cx="6901316" cy="2059141"/>
+          </a:xfrm>
+          <a:prstGeom prst="rect">
+            <a:avLst/>
+          </a:prstGeom>
+        </p:spPr>
+        <p:txBody>
+          <a:bodyPr/>
+          <a:lstStyle>
+            <a:lvl1pPr marL="228600" indent="-228600" algn="l" defTabSz="914400" rtl="0" eaLnBrk="1" latinLnBrk="1" hangingPunct="1">
+              <a:lnSpc>
+                <a:spcPct val="90000"/>
+              </a:lnSpc>
+              <a:spcBef>
+                <a:spcPts val="1000"/>
+              </a:spcBef>
+              <a:buFont typeface="Arial" panose="020B0604020202020204" pitchFamily="34" charset="0"/>
+              <a:buChar char="•"/>
+              <a:defRPr sz="2000" kern="1200">
+                <a:solidFill>
+                  <a:schemeClr val="tx1"/>
+                </a:solidFill>
+                <a:latin typeface="+mn-lt"/>
+                <a:ea typeface="+mn-ea"/>
+                <a:cs typeface="+mn-cs"/>
+              </a:defRPr>
+            </a:lvl1pPr>
+            <a:lvl2pPr marL="685800" indent="-228600" algn="l" defTabSz="914400" rtl="0" eaLnBrk="1" latinLnBrk="1" hangingPunct="1">
+              <a:lnSpc>
+                <a:spcPct val="90000"/>
+              </a:lnSpc>
+              <a:spcBef>
+                <a:spcPts val="500"/>
+              </a:spcBef>
+              <a:buFont typeface="Arial" panose="020B0604020202020204" pitchFamily="34" charset="0"/>
+              <a:buChar char="•"/>
+              <a:defRPr sz="1800" kern="1200">
+                <a:solidFill>
+                  <a:schemeClr val="tx1"/>
+                </a:solidFill>
+                <a:latin typeface="+mn-lt"/>
+                <a:ea typeface="+mn-ea"/>
+                <a:cs typeface="+mn-cs"/>
+              </a:defRPr>
+            </a:lvl2pPr>
+            <a:lvl3pPr marL="1143000" indent="-228600" algn="l" defTabSz="914400" rtl="0" eaLnBrk="1" latinLnBrk="1" hangingPunct="1">
+              <a:lnSpc>
+                <a:spcPct val="90000"/>
+              </a:lnSpc>
+              <a:spcBef>
+                <a:spcPts val="500"/>
+              </a:spcBef>
+              <a:buFont typeface="Arial" panose="020B0604020202020204" pitchFamily="34" charset="0"/>
+              <a:buChar char="•"/>
+              <a:defRPr sz="1600" kern="1200">
+                <a:solidFill>
+                  <a:schemeClr val="tx1"/>
+                </a:solidFill>
+                <a:latin typeface="+mn-lt"/>
+                <a:ea typeface="+mn-ea"/>
+                <a:cs typeface="+mn-cs"/>
+              </a:defRPr>
+            </a:lvl3pPr>
+            <a:lvl4pPr marL="1600200" indent="-228600" algn="l" defTabSz="914400" rtl="0" eaLnBrk="1" latinLnBrk="1" hangingPunct="1">
+              <a:lnSpc>
+                <a:spcPct val="90000"/>
+              </a:lnSpc>
+              <a:spcBef>
+                <a:spcPts val="500"/>
+              </a:spcBef>
+              <a:buFont typeface="Arial" panose="020B0604020202020204" pitchFamily="34" charset="0"/>
+              <a:buChar char="•"/>
+              <a:defRPr sz="1400" kern="1200">
+                <a:solidFill>
+                  <a:schemeClr val="tx1"/>
+                </a:solidFill>
+                <a:latin typeface="+mn-lt"/>
+                <a:ea typeface="+mn-ea"/>
+                <a:cs typeface="+mn-cs"/>
+              </a:defRPr>
+            </a:lvl4pPr>
+            <a:lvl5pPr marL="2057400" indent="-228600" algn="l" defTabSz="914400" rtl="0" eaLnBrk="1" latinLnBrk="1" hangingPunct="1">
+              <a:lnSpc>
+                <a:spcPct val="90000"/>
+              </a:lnSpc>
+              <a:spcBef>
+                <a:spcPts val="500"/>
+              </a:spcBef>
+              <a:buFont typeface="Arial" panose="020B0604020202020204" pitchFamily="34" charset="0"/>
+              <a:buChar char="•"/>
+              <a:defRPr sz="1200" kern="1200">
+                <a:solidFill>
+                  <a:schemeClr val="tx1"/>
+                </a:solidFill>
+                <a:latin typeface="+mn-lt"/>
+                <a:ea typeface="+mn-ea"/>
+                <a:cs typeface="+mn-cs"/>
+              </a:defRPr>
+            </a:lvl5pPr>
+            <a:lvl6pPr marL="2514600" indent="-228600" algn="l" defTabSz="914400" rtl="0" eaLnBrk="1" latinLnBrk="1" hangingPunct="1">
+              <a:lnSpc>
+                <a:spcPct val="90000"/>
+              </a:lnSpc>
+              <a:spcBef>
+                <a:spcPts val="500"/>
+              </a:spcBef>
+              <a:buFont typeface="Arial" panose="020B0604020202020204" pitchFamily="34" charset="0"/>
+              <a:buChar char="•"/>
+              <a:defRPr sz="1800" kern="1200">
+                <a:solidFill>
+                  <a:schemeClr val="tx1"/>
+                </a:solidFill>
+                <a:latin typeface="+mn-lt"/>
+                <a:ea typeface="+mn-ea"/>
+                <a:cs typeface="+mn-cs"/>
+              </a:defRPr>
+            </a:lvl6pPr>
+            <a:lvl7pPr marL="2971800" indent="-228600" algn="l" defTabSz="914400" rtl="0" eaLnBrk="1" latinLnBrk="1" hangingPunct="1">
+              <a:lnSpc>
+                <a:spcPct val="90000"/>
+              </a:lnSpc>
+              <a:spcBef>
+                <a:spcPts val="500"/>
+              </a:spcBef>
+              <a:buFont typeface="Arial" panose="020B0604020202020204" pitchFamily="34" charset="0"/>
+              <a:buChar char="•"/>
+              <a:defRPr sz="1800" kern="1200">
+                <a:solidFill>
+                  <a:schemeClr val="tx1"/>
+                </a:solidFill>
+                <a:latin typeface="+mn-lt"/>
+                <a:ea typeface="+mn-ea"/>
+                <a:cs typeface="+mn-cs"/>
+              </a:defRPr>
+            </a:lvl7pPr>
+            <a:lvl8pPr marL="3429000" indent="-228600" algn="l" defTabSz="914400" rtl="0" eaLnBrk="1" latinLnBrk="1" hangingPunct="1">
+              <a:lnSpc>
+                <a:spcPct val="90000"/>
+              </a:lnSpc>
+              <a:spcBef>
+                <a:spcPts val="500"/>
+              </a:spcBef>
+              <a:buFont typeface="Arial" panose="020B0604020202020204" pitchFamily="34" charset="0"/>
+              <a:buChar char="•"/>
+              <a:defRPr sz="1800" kern="1200">
+                <a:solidFill>
+                  <a:schemeClr val="tx1"/>
+                </a:solidFill>
+                <a:latin typeface="+mn-lt"/>
+                <a:ea typeface="+mn-ea"/>
+                <a:cs typeface="+mn-cs"/>
+              </a:defRPr>
+            </a:lvl8pPr>
+            <a:lvl9pPr marL="3886200" indent="-228600" algn="l" defTabSz="914400" rtl="0" eaLnBrk="1" latinLnBrk="1" hangingPunct="1">
+              <a:lnSpc>
+                <a:spcPct val="90000"/>
+              </a:lnSpc>
+              <a:spcBef>
+                <a:spcPts val="500"/>
+              </a:spcBef>
+              <a:buFont typeface="Arial" panose="020B0604020202020204" pitchFamily="34" charset="0"/>
+              <a:buChar char="•"/>
+              <a:defRPr sz="1800" kern="1200">
+                <a:solidFill>
+                  <a:schemeClr val="tx1"/>
+                </a:solidFill>
+                <a:latin typeface="+mn-lt"/>
+                <a:ea typeface="+mn-ea"/>
+                <a:cs typeface="+mn-cs"/>
+              </a:defRPr>
+            </a:lvl9pPr>
+          </a:lstStyle>
+          <a:p>
+            <a:pPr marL="800100" lvl="1" indent="-342900">
+              <a:spcBef>
+                <a:spcPts val="1000"/>
+              </a:spcBef>
+              <a:buFont typeface="+mj-ea"/>
+              <a:buAutoNum type="circleNumDbPlain"/>
+            </a:pPr>
+            <a:r>
+              <a:rPr lang="en-US" altLang="ko-KR" spc="-60" dirty="0">
+                <a:ln>
+                  <a:solidFill>
+                    <a:prstClr val="white">
+                      <a:alpha val="0"/>
+                    </a:prstClr>
+                  </a:solidFill>
+                </a:ln>
+                <a:solidFill>
+                  <a:schemeClr val="tx2">
+                    <a:lumMod val="75000"/>
+                  </a:schemeClr>
+                </a:solidFill>
+                <a:latin typeface="+mj-ea"/>
+              </a:rPr>
+              <a:t>2</a:t>
+            </a:r>
+            <a:r>
+              <a:rPr lang="ko-KR" altLang="en-US" spc="-60" dirty="0">
+                <a:ln>
+                  <a:solidFill>
+                    <a:prstClr val="white">
+                      <a:alpha val="0"/>
+                    </a:prstClr>
+                  </a:solidFill>
+                </a:ln>
+                <a:solidFill>
+                  <a:schemeClr val="tx2">
+                    <a:lumMod val="75000"/>
+                  </a:schemeClr>
+                </a:solidFill>
+                <a:latin typeface="+mj-ea"/>
+              </a:rPr>
+              <a:t>월은 </a:t>
+            </a:r>
+            <a:r>
+              <a:rPr lang="en-US" altLang="ko-KR" spc="-60" dirty="0">
+                <a:ln>
+                  <a:solidFill>
+                    <a:prstClr val="white">
+                      <a:alpha val="0"/>
+                    </a:prstClr>
+                  </a:solidFill>
+                </a:ln>
+                <a:solidFill>
+                  <a:schemeClr val="tx2">
+                    <a:lumMod val="75000"/>
+                  </a:schemeClr>
+                </a:solidFill>
+                <a:latin typeface="+mj-ea"/>
+              </a:rPr>
+              <a:t>1</a:t>
+            </a:r>
+            <a:r>
+              <a:rPr lang="ko-KR" altLang="en-US" spc="-60" dirty="0">
+                <a:ln>
+                  <a:solidFill>
+                    <a:prstClr val="white">
+                      <a:alpha val="0"/>
+                    </a:prstClr>
+                  </a:solidFill>
+                </a:ln>
+                <a:solidFill>
+                  <a:schemeClr val="tx2">
+                    <a:lumMod val="75000"/>
+                  </a:schemeClr>
+                </a:solidFill>
+                <a:latin typeface="+mj-ea"/>
+              </a:rPr>
+              <a:t>월 거래금액 기준 약 </a:t>
+            </a:r>
+            <a:r>
+              <a:rPr lang="en-US" altLang="ko-KR" spc="-60" dirty="0">
+                <a:ln>
+                  <a:solidFill>
+                    <a:prstClr val="white">
+                      <a:alpha val="0"/>
+                    </a:prstClr>
+                  </a:solidFill>
+                </a:ln>
+                <a:solidFill>
+                  <a:schemeClr val="tx2">
+                    <a:lumMod val="75000"/>
+                  </a:schemeClr>
+                </a:solidFill>
+                <a:latin typeface="+mj-ea"/>
+              </a:rPr>
+              <a:t>6.4% </a:t>
+            </a:r>
+            <a:r>
+              <a:rPr lang="ko-KR" altLang="en-US" spc="-60" dirty="0">
+                <a:ln>
+                  <a:solidFill>
+                    <a:prstClr val="white">
+                      <a:alpha val="0"/>
+                    </a:prstClr>
+                  </a:solidFill>
+                </a:ln>
+                <a:solidFill>
+                  <a:schemeClr val="tx2">
+                    <a:lumMod val="75000"/>
+                  </a:schemeClr>
+                </a:solidFill>
+                <a:latin typeface="+mj-ea"/>
+              </a:rPr>
+              <a:t>거래금액 </a:t>
+            </a:r>
+            <a:r>
+              <a:rPr lang="en-US" altLang="ko-KR" spc="-60" dirty="0">
+                <a:ln>
+                  <a:solidFill>
+                    <a:prstClr val="white">
+                      <a:alpha val="0"/>
+                    </a:prstClr>
+                  </a:solidFill>
+                </a:ln>
+                <a:solidFill>
+                  <a:schemeClr val="tx2">
+                    <a:lumMod val="75000"/>
+                  </a:schemeClr>
+                </a:solidFill>
+                <a:latin typeface="+mj-ea"/>
+              </a:rPr>
+              <a:t>(</a:t>
+            </a:r>
+            <a:r>
+              <a:rPr lang="ko-KR" altLang="en-US" spc="-60" dirty="0">
+                <a:ln>
+                  <a:solidFill>
+                    <a:prstClr val="white">
+                      <a:alpha val="0"/>
+                    </a:prstClr>
+                  </a:solidFill>
+                </a:ln>
+                <a:solidFill>
+                  <a:schemeClr val="tx2">
+                    <a:lumMod val="75000"/>
+                  </a:schemeClr>
+                </a:solidFill>
+                <a:latin typeface="+mj-ea"/>
+              </a:rPr>
+              <a:t>약 </a:t>
+            </a:r>
+            <a:r>
+              <a:rPr lang="en-US" altLang="ko-KR" spc="-60" dirty="0">
+                <a:ln>
+                  <a:solidFill>
+                    <a:prstClr val="white">
+                      <a:alpha val="0"/>
+                    </a:prstClr>
+                  </a:solidFill>
+                </a:ln>
+                <a:solidFill>
+                  <a:schemeClr val="tx2">
+                    <a:lumMod val="75000"/>
+                  </a:schemeClr>
+                </a:solidFill>
+                <a:latin typeface="+mj-ea"/>
+              </a:rPr>
+              <a:t>1.7</a:t>
+            </a:r>
+            <a:r>
+              <a:rPr lang="ko-KR" altLang="en-US" spc="-60" dirty="0">
+                <a:ln>
+                  <a:solidFill>
+                    <a:prstClr val="white">
+                      <a:alpha val="0"/>
+                    </a:prstClr>
+                  </a:solidFill>
+                </a:ln>
+                <a:solidFill>
+                  <a:schemeClr val="tx2">
+                    <a:lumMod val="75000"/>
+                  </a:schemeClr>
+                </a:solidFill>
+                <a:latin typeface="+mj-ea"/>
+              </a:rPr>
+              <a:t>억원</a:t>
+            </a:r>
+            <a:r>
+              <a:rPr lang="en-US" altLang="ko-KR" spc="-60" dirty="0">
+                <a:ln>
+                  <a:solidFill>
+                    <a:prstClr val="white">
+                      <a:alpha val="0"/>
+                    </a:prstClr>
+                  </a:solidFill>
+                </a:ln>
+                <a:solidFill>
+                  <a:schemeClr val="tx2">
+                    <a:lumMod val="75000"/>
+                  </a:schemeClr>
+                </a:solidFill>
+                <a:latin typeface="+mj-ea"/>
+              </a:rPr>
+              <a:t>)</a:t>
+            </a:r>
+            <a:r>
+              <a:rPr lang="ko-KR" altLang="en-US" spc="-60" dirty="0">
+                <a:ln>
+                  <a:solidFill>
+                    <a:prstClr val="white">
+                      <a:alpha val="0"/>
+                    </a:prstClr>
+                  </a:solidFill>
+                </a:ln>
+                <a:solidFill>
+                  <a:schemeClr val="tx2">
+                    <a:lumMod val="75000"/>
+                  </a:schemeClr>
+                </a:solidFill>
+                <a:latin typeface="+mj-ea"/>
+              </a:rPr>
+              <a:t>이 낮아짐</a:t>
+            </a:r>
+            <a:r>
+              <a:rPr lang="en-US" altLang="ko-KR" spc="-60" dirty="0">
+                <a:ln>
+                  <a:solidFill>
+                    <a:prstClr val="white">
+                      <a:alpha val="0"/>
+                    </a:prstClr>
+                  </a:solidFill>
+                </a:ln>
+                <a:solidFill>
+                  <a:schemeClr val="tx2">
+                    <a:lumMod val="75000"/>
+                  </a:schemeClr>
+                </a:solidFill>
+                <a:latin typeface="+mj-ea"/>
+              </a:rPr>
+              <a:t>.</a:t>
+            </a:r>
+          </a:p>
+          <a:p>
+            <a:pPr marL="800100" lvl="1" indent="-342900">
+              <a:spcBef>
+                <a:spcPts val="1000"/>
+              </a:spcBef>
+              <a:buFont typeface="+mj-ea"/>
+              <a:buAutoNum type="circleNumDbPlain"/>
+            </a:pPr>
+            <a:r>
+              <a:rPr lang="ko-KR" altLang="en-US" spc="-60" dirty="0">
+                <a:ln>
+                  <a:solidFill>
+                    <a:prstClr val="white">
+                      <a:alpha val="0"/>
+                    </a:prstClr>
+                  </a:solidFill>
+                </a:ln>
+                <a:solidFill>
+                  <a:schemeClr val="tx2">
+                    <a:lumMod val="75000"/>
+                  </a:schemeClr>
+                </a:solidFill>
+                <a:latin typeface="+mj-ea"/>
+                <a:ea typeface="+mj-ea"/>
+              </a:rPr>
+              <a:t>거래금액이 가장 높은 주는 </a:t>
+            </a:r>
+            <a:r>
+              <a:rPr lang="en-US" altLang="ko-KR" spc="-60" dirty="0">
+                <a:ln>
+                  <a:solidFill>
+                    <a:prstClr val="white">
+                      <a:alpha val="0"/>
+                    </a:prstClr>
+                  </a:solidFill>
+                </a:ln>
+                <a:solidFill>
+                  <a:schemeClr val="tx2">
+                    <a:lumMod val="75000"/>
+                  </a:schemeClr>
+                </a:solidFill>
+                <a:latin typeface="+mj-ea"/>
+                <a:ea typeface="+mj-ea"/>
+              </a:rPr>
+              <a:t>‘2</a:t>
+            </a:r>
+            <a:r>
+              <a:rPr lang="ko-KR" altLang="en-US" spc="-60" dirty="0">
+                <a:ln>
+                  <a:solidFill>
+                    <a:prstClr val="white">
+                      <a:alpha val="0"/>
+                    </a:prstClr>
+                  </a:solidFill>
+                </a:ln>
+                <a:solidFill>
+                  <a:schemeClr val="tx2">
+                    <a:lumMod val="75000"/>
+                  </a:schemeClr>
+                </a:solidFill>
+                <a:latin typeface="+mj-ea"/>
+                <a:ea typeface="+mj-ea"/>
+              </a:rPr>
+              <a:t>주차</a:t>
+            </a:r>
+            <a:r>
+              <a:rPr lang="en-US" altLang="ko-KR" spc="-60" dirty="0">
+                <a:ln>
+                  <a:solidFill>
+                    <a:prstClr val="white">
+                      <a:alpha val="0"/>
+                    </a:prstClr>
+                  </a:solidFill>
+                </a:ln>
+                <a:solidFill>
+                  <a:schemeClr val="tx2">
+                    <a:lumMod val="75000"/>
+                  </a:schemeClr>
+                </a:solidFill>
+                <a:latin typeface="+mj-ea"/>
+                <a:ea typeface="+mj-ea"/>
+              </a:rPr>
+              <a:t>’</a:t>
+            </a:r>
+            <a:r>
+              <a:rPr lang="ko-KR" altLang="en-US" spc="-60" dirty="0">
+                <a:ln>
+                  <a:solidFill>
+                    <a:prstClr val="white">
+                      <a:alpha val="0"/>
+                    </a:prstClr>
+                  </a:solidFill>
+                </a:ln>
+                <a:solidFill>
+                  <a:schemeClr val="tx2">
+                    <a:lumMod val="75000"/>
+                  </a:schemeClr>
+                </a:solidFill>
+                <a:latin typeface="+mj-ea"/>
+                <a:ea typeface="+mj-ea"/>
+              </a:rPr>
+              <a:t>로 나타남</a:t>
+            </a:r>
+            <a:r>
+              <a:rPr lang="en-US" altLang="ko-KR" spc="-60" dirty="0">
+                <a:ln>
+                  <a:solidFill>
+                    <a:prstClr val="white">
+                      <a:alpha val="0"/>
+                    </a:prstClr>
+                  </a:solidFill>
+                </a:ln>
+                <a:solidFill>
+                  <a:schemeClr val="tx2">
+                    <a:lumMod val="75000"/>
+                  </a:schemeClr>
+                </a:solidFill>
+                <a:latin typeface="+mj-ea"/>
+                <a:ea typeface="+mj-ea"/>
+              </a:rPr>
+              <a:t>. (</a:t>
+            </a:r>
+            <a:r>
+              <a:rPr lang="ko-KR" altLang="en-US" spc="-60" dirty="0">
+                <a:ln>
+                  <a:solidFill>
+                    <a:prstClr val="white">
+                      <a:alpha val="0"/>
+                    </a:prstClr>
+                  </a:solidFill>
+                </a:ln>
+                <a:solidFill>
+                  <a:schemeClr val="tx2">
+                    <a:lumMod val="75000"/>
+                  </a:schemeClr>
+                </a:solidFill>
+                <a:latin typeface="+mj-ea"/>
+                <a:ea typeface="+mj-ea"/>
+              </a:rPr>
+              <a:t>평균 </a:t>
+            </a:r>
+            <a:r>
+              <a:rPr lang="en-US" altLang="ko-KR" spc="-60" dirty="0">
+                <a:ln>
+                  <a:solidFill>
+                    <a:prstClr val="white">
+                      <a:alpha val="0"/>
+                    </a:prstClr>
+                  </a:solidFill>
+                </a:ln>
+                <a:solidFill>
+                  <a:schemeClr val="tx2">
+                    <a:lumMod val="75000"/>
+                  </a:schemeClr>
+                </a:solidFill>
+                <a:latin typeface="+mj-ea"/>
+                <a:ea typeface="+mj-ea"/>
+              </a:rPr>
+              <a:t>7.1</a:t>
+            </a:r>
+            <a:r>
+              <a:rPr lang="ko-KR" altLang="en-US" spc="-60" dirty="0">
+                <a:ln>
+                  <a:solidFill>
+                    <a:prstClr val="white">
+                      <a:alpha val="0"/>
+                    </a:prstClr>
+                  </a:solidFill>
+                </a:ln>
+                <a:solidFill>
+                  <a:schemeClr val="tx2">
+                    <a:lumMod val="75000"/>
+                  </a:schemeClr>
+                </a:solidFill>
+                <a:latin typeface="+mj-ea"/>
+                <a:ea typeface="+mj-ea"/>
+              </a:rPr>
+              <a:t>억</a:t>
+            </a:r>
+            <a:r>
+              <a:rPr lang="en-US" altLang="ko-KR" spc="-60" dirty="0">
+                <a:ln>
+                  <a:solidFill>
+                    <a:prstClr val="white">
+                      <a:alpha val="0"/>
+                    </a:prstClr>
+                  </a:solidFill>
+                </a:ln>
+                <a:solidFill>
+                  <a:schemeClr val="tx2">
+                    <a:lumMod val="75000"/>
+                  </a:schemeClr>
+                </a:solidFill>
+                <a:latin typeface="+mj-ea"/>
+                <a:ea typeface="+mj-ea"/>
+              </a:rPr>
+              <a:t>) </a:t>
+            </a:r>
+          </a:p>
+          <a:p>
+            <a:pPr marL="800100" lvl="1" indent="-342900">
+              <a:spcBef>
+                <a:spcPts val="1000"/>
+              </a:spcBef>
+              <a:buFont typeface="+mj-ea"/>
+              <a:buAutoNum type="circleNumDbPlain"/>
+            </a:pPr>
+            <a:endParaRPr lang="en-US" altLang="ko-KR" spc="-60" dirty="0">
+              <a:ln>
+                <a:solidFill>
+                  <a:prstClr val="white">
+                    <a:alpha val="0"/>
+                  </a:prstClr>
+                </a:solidFill>
+              </a:ln>
+              <a:solidFill>
+                <a:schemeClr val="tx2">
+                  <a:lumMod val="75000"/>
+                </a:schemeClr>
+              </a:solidFill>
+              <a:latin typeface="+mj-ea"/>
+              <a:ea typeface="+mj-ea"/>
+            </a:endParaRPr>
+          </a:p>
+          <a:p>
+            <a:pPr marL="457200" lvl="1" indent="0">
+              <a:spcBef>
+                <a:spcPts val="1000"/>
+              </a:spcBef>
+              <a:buFont typeface="Arial" panose="020B0604020202020204" pitchFamily="34" charset="0"/>
+              <a:buNone/>
+            </a:pPr>
+            <a:endParaRPr lang="en-US" altLang="ko-KR" spc="-60" dirty="0">
+              <a:ln>
+                <a:solidFill>
+                  <a:prstClr val="white">
+                    <a:alpha val="0"/>
+                  </a:prstClr>
+                </a:solidFill>
+              </a:ln>
+              <a:solidFill>
+                <a:schemeClr val="tx2">
+                  <a:lumMod val="75000"/>
+                </a:schemeClr>
+              </a:solidFill>
+              <a:latin typeface="+mj-ea"/>
+              <a:ea typeface="+mj-ea"/>
+            </a:endParaRPr>
+          </a:p>
+        </p:txBody>
+      </p:sp>
+      <p:sp>
+        <p:nvSpPr>
+          <p:cNvPr id="7" name="텍스트 개체 틀 6">
+            <a:extLst>
+              <a:ext uri="{FF2B5EF4-FFF2-40B4-BE49-F238E27FC236}">
+                <a16:creationId xmlns:a16="http://schemas.microsoft.com/office/drawing/2014/main" id="{DEDED96D-CEB5-4616-BE9C-4046A751D563}"/>
+              </a:ext>
+            </a:extLst>
+          </p:cNvPr>
+          <p:cNvSpPr>
+            <a:spLocks noGrp="1"/>
+          </p:cNvSpPr>
+          <p:nvPr>
+            <p:ph type="body" sz="quarter" idx="13"/>
+          </p:nvPr>
+        </p:nvSpPr>
+        <p:spPr>
+          <a:xfrm>
+            <a:off x="544513" y="1668463"/>
+            <a:ext cx="6901316" cy="416161"/>
+          </a:xfrm>
+        </p:spPr>
+        <p:txBody>
+          <a:bodyPr/>
+          <a:lstStyle/>
+          <a:p>
+            <a:pPr marL="171450" indent="-171450">
+              <a:spcBef>
+                <a:spcPts val="1000"/>
+              </a:spcBef>
+              <a:buFont typeface="Arial" panose="020B0604020202020204" pitchFamily="34" charset="0"/>
+              <a:buChar char="•"/>
+            </a:pPr>
+            <a:r>
+              <a:rPr lang="ko-KR" altLang="en-US" spc="-60" dirty="0">
+                <a:ln>
+                  <a:solidFill>
+                    <a:prstClr val="white">
+                      <a:alpha val="0"/>
+                    </a:prstClr>
+                  </a:solidFill>
+                </a:ln>
+                <a:solidFill>
+                  <a:schemeClr val="tx2">
+                    <a:lumMod val="75000"/>
+                  </a:schemeClr>
+                </a:solidFill>
+                <a:latin typeface="+mj-ea"/>
+                <a:ea typeface="+mj-ea"/>
+              </a:rPr>
+              <a:t>월 및 주 </a:t>
+            </a:r>
+            <a:r>
+              <a:rPr lang="ko-KR" altLang="en-US" sz="2000" spc="-60" dirty="0">
+                <a:ln>
+                  <a:solidFill>
+                    <a:prstClr val="white">
+                      <a:alpha val="0"/>
+                    </a:prstClr>
+                  </a:solidFill>
+                </a:ln>
+                <a:solidFill>
+                  <a:schemeClr val="tx2">
+                    <a:lumMod val="75000"/>
+                  </a:schemeClr>
+                </a:solidFill>
+                <a:latin typeface="+mj-ea"/>
+                <a:ea typeface="+mj-ea"/>
+              </a:rPr>
+              <a:t>별 </a:t>
+            </a:r>
+            <a:r>
+              <a:rPr lang="ko-KR" altLang="en-US" spc="-60" dirty="0">
+                <a:ln>
+                  <a:solidFill>
+                    <a:prstClr val="white">
+                      <a:alpha val="0"/>
+                    </a:prstClr>
+                  </a:solidFill>
+                </a:ln>
+                <a:solidFill>
+                  <a:schemeClr val="tx2">
+                    <a:lumMod val="75000"/>
+                  </a:schemeClr>
+                </a:solidFill>
+                <a:latin typeface="+mj-ea"/>
+                <a:ea typeface="+mj-ea"/>
+              </a:rPr>
+              <a:t>거래</a:t>
+            </a:r>
+            <a:r>
+              <a:rPr lang="ko-KR" altLang="en-US" sz="2000" spc="-60" dirty="0">
+                <a:ln>
+                  <a:solidFill>
+                    <a:prstClr val="white">
+                      <a:alpha val="0"/>
+                    </a:prstClr>
+                  </a:solidFill>
+                </a:ln>
+                <a:solidFill>
+                  <a:schemeClr val="tx2">
+                    <a:lumMod val="75000"/>
+                  </a:schemeClr>
+                </a:solidFill>
+                <a:latin typeface="+mj-ea"/>
+                <a:ea typeface="+mj-ea"/>
+              </a:rPr>
+              <a:t>금액</a:t>
+            </a:r>
+            <a:endParaRPr lang="en-US" altLang="ko-KR" sz="2000" spc="-60" dirty="0">
+              <a:ln>
+                <a:solidFill>
+                  <a:prstClr val="white">
+                    <a:alpha val="0"/>
+                  </a:prstClr>
+                </a:solidFill>
+              </a:ln>
+              <a:solidFill>
+                <a:schemeClr val="tx2">
+                  <a:lumMod val="75000"/>
+                </a:schemeClr>
+              </a:solidFill>
+              <a:latin typeface="+mj-ea"/>
+              <a:ea typeface="+mj-ea"/>
+            </a:endParaRPr>
+          </a:p>
+          <a:p>
+            <a:pPr marL="457200" lvl="1" indent="0">
+              <a:spcBef>
+                <a:spcPts val="1000"/>
+              </a:spcBef>
+              <a:buNone/>
+            </a:pPr>
+            <a:endParaRPr lang="en-US" altLang="ko-KR" spc="-60" dirty="0">
+              <a:ln>
+                <a:solidFill>
+                  <a:prstClr val="white">
+                    <a:alpha val="0"/>
+                  </a:prstClr>
+                </a:solidFill>
+              </a:ln>
+              <a:solidFill>
+                <a:schemeClr val="tx2">
+                  <a:lumMod val="75000"/>
+                </a:schemeClr>
+              </a:solidFill>
+              <a:latin typeface="+mj-ea"/>
+              <a:ea typeface="+mj-ea"/>
+            </a:endParaRPr>
+          </a:p>
+        </p:txBody>
+      </p:sp>
+      <p:pic>
+        <p:nvPicPr>
+          <p:cNvPr id="5" name="그림 4"/>
+          <p:cNvPicPr>
+            <a:picLocks noChangeAspect="1"/>
+          </p:cNvPicPr>
+          <p:nvPr/>
+        </p:nvPicPr>
+        <p:blipFill>
+          <a:blip r:embed="rId2"/>
+          <a:stretch>
+            <a:fillRect/>
+          </a:stretch>
+        </p:blipFill>
+        <p:spPr>
+          <a:xfrm>
+            <a:off x="2391287" y="4473816"/>
+            <a:ext cx="3362794" cy="1838582"/>
+          </a:xfrm>
+          <a:prstGeom prst="rect">
+            <a:avLst/>
+          </a:prstGeom>
+        </p:spPr>
+      </p:pic>
+    </p:spTree>
+    <p:extLst>
+      <p:ext uri="{BB962C8B-B14F-4D97-AF65-F5344CB8AC3E}">
+        <p14:creationId xmlns:p14="http://schemas.microsoft.com/office/powerpoint/2010/main" val="462833014"/>
+      </p:ext>
+    </p:extLst>
+  </p:cSld>
+  <p:clrMapOvr>
+    <a:masterClrMapping/>
+  </p:clrMapOvr>
+</p:sld>
+</file>
+
+<file path=ppt/slides/slide16.xml><?xml version="1.0" encoding="utf-8"?>
+<p:sld xmlns:a="http://schemas.openxmlformats.org/drawingml/2006/main" xmlns:r="http://schemas.openxmlformats.org/officeDocument/2006/relationships" xmlns:p="http://schemas.openxmlformats.org/presentationml/2006/main">
+  <p:cSld>
+    <p:spTree>
+      <p:nvGrpSpPr>
+        <p:cNvPr id="1" name=""/>
+        <p:cNvGrpSpPr/>
+        <p:nvPr/>
+      </p:nvGrpSpPr>
+      <p:grpSpPr>
+        <a:xfrm>
+          <a:off x="0" y="0"/>
+          <a:ext cx="0" cy="0"/>
+          <a:chOff x="0" y="0"/>
+          <a:chExt cx="0" cy="0"/>
+        </a:xfrm>
+      </p:grpSpPr>
+      <p:sp>
+        <p:nvSpPr>
+          <p:cNvPr id="35" name="제목 1"/>
+          <p:cNvSpPr txBox="1">
+            <a:spLocks/>
+          </p:cNvSpPr>
+          <p:nvPr/>
+        </p:nvSpPr>
+        <p:spPr>
+          <a:xfrm>
+            <a:off x="251520" y="243601"/>
+            <a:ext cx="8640960" cy="480131"/>
+          </a:xfrm>
+          <a:prstGeom prst="rect">
+            <a:avLst/>
+          </a:prstGeom>
+        </p:spPr>
+        <p:txBody>
+          <a:bodyPr vert="horz" wrap="square" lIns="91440" tIns="45720" rIns="91440" bIns="45720" rtlCol="0" anchor="ctr">
+            <a:spAutoFit/>
+          </a:bodyPr>
+          <a:lstStyle>
+            <a:lvl1pPr algn="l" defTabSz="914400" rtl="0" eaLnBrk="1" latinLnBrk="1" hangingPunct="1">
+              <a:lnSpc>
+                <a:spcPct val="90000"/>
+              </a:lnSpc>
+              <a:spcBef>
+                <a:spcPct val="0"/>
+              </a:spcBef>
+              <a:buNone/>
+              <a:defRPr sz="2800" b="0" kern="1200">
+                <a:solidFill>
+                  <a:schemeClr val="tx1"/>
+                </a:solidFill>
+                <a:effectLst/>
+                <a:latin typeface="-윤고딕320" panose="020B0600000101010101" charset="-127"/>
+                <a:ea typeface="-윤고딕320" panose="020B0600000101010101" charset="-127"/>
+                <a:cs typeface="+mj-cs"/>
+              </a:defRPr>
+            </a:lvl1pPr>
+          </a:lstStyle>
+          <a:p>
+            <a:r>
+              <a:rPr lang="en-US" altLang="ko-KR" dirty="0">
+                <a:latin typeface="+mn-ea"/>
+                <a:ea typeface="+mn-ea"/>
+              </a:rPr>
+              <a:t>3. </a:t>
+            </a:r>
+            <a:r>
+              <a:rPr lang="ko-KR" altLang="en-US" dirty="0">
+                <a:latin typeface="+mn-ea"/>
+                <a:ea typeface="+mn-ea"/>
+              </a:rPr>
+              <a:t>울산페이 데이터 분석 단계별 설명</a:t>
+            </a:r>
+          </a:p>
+        </p:txBody>
+      </p:sp>
+      <p:sp>
+        <p:nvSpPr>
+          <p:cNvPr id="3" name="사각형: 둥근 모서리 2">
+            <a:extLst>
+              <a:ext uri="{FF2B5EF4-FFF2-40B4-BE49-F238E27FC236}">
+                <a16:creationId xmlns:a16="http://schemas.microsoft.com/office/drawing/2014/main" id="{44B1FF70-C47F-4352-8698-63BF5E1453B2}"/>
+              </a:ext>
+            </a:extLst>
+          </p:cNvPr>
+          <p:cNvSpPr/>
+          <p:nvPr/>
+        </p:nvSpPr>
+        <p:spPr>
+          <a:xfrm>
+            <a:off x="544513" y="1144746"/>
+            <a:ext cx="5438276" cy="416160"/>
+          </a:xfrm>
+          <a:prstGeom prst="roundRect">
+            <a:avLst>
+              <a:gd name="adj" fmla="val 36422"/>
+            </a:avLst>
+          </a:prstGeom>
+        </p:spPr>
+        <p:style>
+          <a:lnRef idx="2">
+            <a:schemeClr val="accent1">
+              <a:shade val="50000"/>
+            </a:schemeClr>
+          </a:lnRef>
+          <a:fillRef idx="1">
+            <a:schemeClr val="accent1"/>
+          </a:fillRef>
+          <a:effectRef idx="0">
+            <a:schemeClr val="accent1"/>
+          </a:effectRef>
+          <a:fontRef idx="minor">
+            <a:schemeClr val="lt1"/>
+          </a:fontRef>
+        </p:style>
+        <p:txBody>
+          <a:bodyPr rtlCol="0" anchor="ctr"/>
+          <a:lstStyle/>
+          <a:p>
+            <a:pPr algn="ctr"/>
+            <a:r>
+              <a:rPr lang="en-US" altLang="ko-KR" sz="2000" b="1" dirty="0"/>
+              <a:t>(4</a:t>
+            </a:r>
+            <a:r>
+              <a:rPr lang="ko-KR" altLang="en-US" sz="2000" b="1" dirty="0"/>
+              <a:t>단계</a:t>
+            </a:r>
+            <a:r>
+              <a:rPr lang="en-US" altLang="ko-KR" sz="2000" b="1" dirty="0"/>
+              <a:t>) </a:t>
+            </a:r>
+            <a:r>
+              <a:rPr lang="ko-KR" altLang="en-US" sz="2000" b="1" dirty="0"/>
+              <a:t>데이터 분석 및 시각화</a:t>
+            </a:r>
+            <a:r>
+              <a:rPr lang="en-US" altLang="ko-KR" sz="2000" b="1" dirty="0"/>
+              <a:t>, </a:t>
+            </a:r>
+            <a:r>
+              <a:rPr lang="ko-KR" altLang="en-US" sz="2000" b="1" dirty="0"/>
+              <a:t>시사점</a:t>
+            </a:r>
+            <a:r>
+              <a:rPr lang="en-US" altLang="ko-KR" sz="2000" b="1" dirty="0"/>
+              <a:t>(1/6)</a:t>
+            </a:r>
+            <a:endParaRPr lang="ko-KR" altLang="en-US" sz="2000" b="1" dirty="0"/>
+          </a:p>
+        </p:txBody>
+      </p:sp>
+      <p:sp>
+        <p:nvSpPr>
+          <p:cNvPr id="2" name="사각형: 둥근 모서리 1">
+            <a:extLst>
+              <a:ext uri="{FF2B5EF4-FFF2-40B4-BE49-F238E27FC236}">
+                <a16:creationId xmlns:a16="http://schemas.microsoft.com/office/drawing/2014/main" id="{00D8EB94-8409-4E95-AB44-FABAFF0FE391}"/>
+              </a:ext>
+            </a:extLst>
+          </p:cNvPr>
+          <p:cNvSpPr/>
+          <p:nvPr/>
+        </p:nvSpPr>
+        <p:spPr>
+          <a:xfrm>
+            <a:off x="7524205" y="1638755"/>
+            <a:ext cx="1619795" cy="2613740"/>
+          </a:xfrm>
+          <a:prstGeom prst="roundRect">
+            <a:avLst>
+              <a:gd name="adj" fmla="val 5441"/>
+            </a:avLst>
+          </a:prstGeom>
+          <a:solidFill>
+            <a:schemeClr val="bg1">
+              <a:lumMod val="95000"/>
+            </a:schemeClr>
+          </a:solidFill>
+          <a:ln w="28575">
+            <a:noFill/>
+          </a:ln>
+        </p:spPr>
+        <p:style>
+          <a:lnRef idx="2">
+            <a:schemeClr val="accent1">
+              <a:shade val="50000"/>
+            </a:schemeClr>
+          </a:lnRef>
+          <a:fillRef idx="1">
+            <a:schemeClr val="accent1"/>
+          </a:fillRef>
+          <a:effectRef idx="0">
+            <a:schemeClr val="accent1"/>
+          </a:effectRef>
+          <a:fontRef idx="minor">
+            <a:schemeClr val="lt1"/>
+          </a:fontRef>
+        </p:style>
+        <p:txBody>
+          <a:bodyPr rtlCol="0" anchor="t"/>
+          <a:lstStyle/>
+          <a:p>
+            <a:pPr marL="171450" indent="-171450">
+              <a:buFont typeface="Arial" panose="020B0604020202020204" pitchFamily="34" charset="0"/>
+              <a:buChar char="•"/>
+            </a:pPr>
+            <a:r>
+              <a:rPr lang="ko-KR" altLang="en-US" sz="1100" spc="-60" dirty="0" err="1">
+                <a:ln>
+                  <a:solidFill>
+                    <a:prstClr val="white">
+                      <a:alpha val="0"/>
+                    </a:prstClr>
+                  </a:solidFill>
+                </a:ln>
+                <a:solidFill>
+                  <a:schemeClr val="tx2">
+                    <a:lumMod val="75000"/>
+                  </a:schemeClr>
+                </a:solidFill>
+                <a:latin typeface="+mj-ea"/>
+              </a:rPr>
+              <a:t>승인일자별</a:t>
+            </a:r>
+            <a:r>
+              <a:rPr lang="ko-KR" altLang="en-US" sz="1100" spc="-60" dirty="0">
+                <a:ln>
+                  <a:solidFill>
+                    <a:prstClr val="white">
+                      <a:alpha val="0"/>
+                    </a:prstClr>
+                  </a:solidFill>
+                </a:ln>
+                <a:solidFill>
+                  <a:schemeClr val="tx2">
+                    <a:lumMod val="75000"/>
+                  </a:schemeClr>
+                </a:solidFill>
+                <a:latin typeface="+mj-ea"/>
+              </a:rPr>
+              <a:t> 거래금액 집계</a:t>
+            </a:r>
+            <a:endParaRPr lang="en-US" altLang="ko-KR" sz="1100" spc="-60" dirty="0">
+              <a:ln>
+                <a:solidFill>
+                  <a:prstClr val="white">
+                    <a:alpha val="0"/>
+                  </a:prstClr>
+                </a:solidFill>
+              </a:ln>
+              <a:solidFill>
+                <a:schemeClr val="tx2">
+                  <a:lumMod val="75000"/>
+                </a:schemeClr>
+              </a:solidFill>
+              <a:latin typeface="+mj-ea"/>
+            </a:endParaRPr>
+          </a:p>
+          <a:p>
+            <a:pPr marL="171450" indent="-171450">
+              <a:buFont typeface="Arial" panose="020B0604020202020204" pitchFamily="34" charset="0"/>
+              <a:buChar char="•"/>
+            </a:pPr>
+            <a:endParaRPr lang="en-US" altLang="ko-KR" sz="1100" spc="-60" dirty="0">
+              <a:ln>
+                <a:solidFill>
+                  <a:prstClr val="white">
+                    <a:alpha val="0"/>
+                  </a:prstClr>
+                </a:solidFill>
+              </a:ln>
+              <a:solidFill>
+                <a:schemeClr val="tx2">
+                  <a:lumMod val="75000"/>
+                </a:schemeClr>
+              </a:solidFill>
+              <a:latin typeface="+mj-ea"/>
+            </a:endParaRPr>
+          </a:p>
+          <a:p>
+            <a:pPr marL="171450" indent="-171450">
+              <a:buFont typeface="Arial" panose="020B0604020202020204" pitchFamily="34" charset="0"/>
+              <a:buChar char="•"/>
+            </a:pPr>
+            <a:r>
+              <a:rPr lang="en-US" altLang="ko-KR" sz="1100" spc="-60" dirty="0" err="1">
+                <a:ln>
+                  <a:solidFill>
+                    <a:prstClr val="white">
+                      <a:alpha val="0"/>
+                    </a:prstClr>
+                  </a:solidFill>
+                </a:ln>
+                <a:solidFill>
+                  <a:schemeClr val="tx2">
+                    <a:lumMod val="75000"/>
+                  </a:schemeClr>
+                </a:solidFill>
+                <a:latin typeface="+mj-ea"/>
+              </a:rPr>
+              <a:t>datetime</a:t>
+            </a:r>
+            <a:r>
+              <a:rPr lang="en-US" altLang="ko-KR" sz="1100" spc="-60" dirty="0">
+                <a:ln>
+                  <a:solidFill>
+                    <a:prstClr val="white">
+                      <a:alpha val="0"/>
+                    </a:prstClr>
+                  </a:solidFill>
+                </a:ln>
+                <a:solidFill>
+                  <a:schemeClr val="tx2">
+                    <a:lumMod val="75000"/>
+                  </a:schemeClr>
+                </a:solidFill>
+                <a:latin typeface="+mj-ea"/>
+              </a:rPr>
+              <a:t> </a:t>
+            </a:r>
+            <a:r>
+              <a:rPr lang="ko-KR" altLang="en-US" sz="1100" spc="-60" dirty="0">
+                <a:ln>
+                  <a:solidFill>
+                    <a:prstClr val="white">
+                      <a:alpha val="0"/>
+                    </a:prstClr>
+                  </a:solidFill>
+                </a:ln>
+                <a:solidFill>
+                  <a:schemeClr val="tx2">
+                    <a:lumMod val="75000"/>
+                  </a:schemeClr>
+                </a:solidFill>
+                <a:latin typeface="+mj-ea"/>
+              </a:rPr>
+              <a:t>함수 활용</a:t>
+            </a:r>
+            <a:r>
+              <a:rPr lang="en-US" altLang="ko-KR" sz="1100" spc="-60" dirty="0">
+                <a:ln>
+                  <a:solidFill>
+                    <a:prstClr val="white">
+                      <a:alpha val="0"/>
+                    </a:prstClr>
+                  </a:solidFill>
+                </a:ln>
+                <a:solidFill>
+                  <a:schemeClr val="tx2">
+                    <a:lumMod val="75000"/>
+                  </a:schemeClr>
+                </a:solidFill>
+                <a:latin typeface="+mj-ea"/>
+              </a:rPr>
+              <a:t>date/month/day</a:t>
+            </a:r>
+            <a:r>
+              <a:rPr lang="ko-KR" altLang="en-US" sz="1100" spc="-60" dirty="0">
+                <a:ln>
+                  <a:solidFill>
+                    <a:prstClr val="white">
+                      <a:alpha val="0"/>
+                    </a:prstClr>
+                  </a:solidFill>
+                </a:ln>
+                <a:solidFill>
+                  <a:schemeClr val="tx2">
+                    <a:lumMod val="75000"/>
+                  </a:schemeClr>
+                </a:solidFill>
+                <a:latin typeface="+mj-ea"/>
+              </a:rPr>
+              <a:t>로 분류</a:t>
+            </a:r>
+            <a:endParaRPr lang="en-US" altLang="ko-KR" sz="1100" spc="-60" dirty="0">
+              <a:ln>
+                <a:solidFill>
+                  <a:prstClr val="white">
+                    <a:alpha val="0"/>
+                  </a:prstClr>
+                </a:solidFill>
+              </a:ln>
+              <a:solidFill>
+                <a:schemeClr val="tx2">
+                  <a:lumMod val="75000"/>
+                </a:schemeClr>
+              </a:solidFill>
+              <a:latin typeface="+mj-ea"/>
+            </a:endParaRPr>
+          </a:p>
+          <a:p>
+            <a:pPr marL="171450" indent="-171450">
+              <a:buFont typeface="Arial" panose="020B0604020202020204" pitchFamily="34" charset="0"/>
+              <a:buChar char="•"/>
+            </a:pPr>
+            <a:endParaRPr lang="en-US" altLang="ko-KR" sz="1100" spc="-60" dirty="0">
+              <a:ln>
+                <a:solidFill>
+                  <a:prstClr val="white">
+                    <a:alpha val="0"/>
+                  </a:prstClr>
+                </a:solidFill>
+              </a:ln>
+              <a:solidFill>
+                <a:schemeClr val="tx2">
+                  <a:lumMod val="75000"/>
+                </a:schemeClr>
+              </a:solidFill>
+              <a:latin typeface="+mj-ea"/>
+            </a:endParaRPr>
+          </a:p>
+          <a:p>
+            <a:pPr marL="171450" indent="-171450">
+              <a:buFont typeface="Arial" panose="020B0604020202020204" pitchFamily="34" charset="0"/>
+              <a:buChar char="•"/>
+            </a:pPr>
+            <a:r>
+              <a:rPr lang="ko-KR" altLang="en-US" sz="1100" spc="-60" dirty="0">
+                <a:ln>
+                  <a:solidFill>
+                    <a:prstClr val="white">
+                      <a:alpha val="0"/>
+                    </a:prstClr>
+                  </a:solidFill>
+                </a:ln>
+                <a:solidFill>
+                  <a:schemeClr val="tx2">
+                    <a:lumMod val="75000"/>
+                  </a:schemeClr>
+                </a:solidFill>
+                <a:latin typeface="+mj-ea"/>
+              </a:rPr>
+              <a:t>월 </a:t>
+            </a:r>
+            <a:r>
+              <a:rPr lang="en-US" altLang="ko-KR" sz="1100" spc="-60" dirty="0">
+                <a:ln>
+                  <a:solidFill>
+                    <a:prstClr val="white">
+                      <a:alpha val="0"/>
+                    </a:prstClr>
+                  </a:solidFill>
+                </a:ln>
+                <a:solidFill>
+                  <a:schemeClr val="tx2">
+                    <a:lumMod val="75000"/>
+                  </a:schemeClr>
+                </a:solidFill>
+                <a:latin typeface="+mj-ea"/>
+              </a:rPr>
+              <a:t>/ </a:t>
+            </a:r>
+            <a:r>
+              <a:rPr lang="ko-KR" altLang="en-US" sz="1100" spc="-60" dirty="0">
+                <a:ln>
+                  <a:solidFill>
+                    <a:prstClr val="white">
+                      <a:alpha val="0"/>
+                    </a:prstClr>
+                  </a:solidFill>
+                </a:ln>
+                <a:solidFill>
+                  <a:schemeClr val="tx2">
+                    <a:lumMod val="75000"/>
+                  </a:schemeClr>
+                </a:solidFill>
+                <a:latin typeface="+mj-ea"/>
+              </a:rPr>
+              <a:t>주 를 기준으로 데이터 분류 및  </a:t>
+            </a:r>
+            <a:r>
+              <a:rPr lang="en-US" altLang="ko-KR" sz="1100" spc="-60" dirty="0" err="1">
+                <a:ln>
+                  <a:solidFill>
+                    <a:prstClr val="white">
+                      <a:alpha val="0"/>
+                    </a:prstClr>
+                  </a:solidFill>
+                </a:ln>
+                <a:solidFill>
+                  <a:schemeClr val="tx2">
+                    <a:lumMod val="75000"/>
+                  </a:schemeClr>
+                </a:solidFill>
+                <a:latin typeface="+mj-ea"/>
+              </a:rPr>
+              <a:t>plt.bar</a:t>
+            </a:r>
+            <a:r>
+              <a:rPr lang="en-US" altLang="ko-KR" sz="1100" spc="-60" dirty="0">
+                <a:ln>
+                  <a:solidFill>
+                    <a:prstClr val="white">
+                      <a:alpha val="0"/>
+                    </a:prstClr>
+                  </a:solidFill>
+                </a:ln>
+                <a:solidFill>
+                  <a:schemeClr val="tx2">
+                    <a:lumMod val="75000"/>
+                  </a:schemeClr>
+                </a:solidFill>
+                <a:latin typeface="+mj-ea"/>
+              </a:rPr>
+              <a:t> </a:t>
+            </a:r>
+            <a:r>
+              <a:rPr lang="ko-KR" altLang="en-US" sz="1100" spc="-60" dirty="0">
+                <a:ln>
+                  <a:solidFill>
+                    <a:prstClr val="white">
+                      <a:alpha val="0"/>
+                    </a:prstClr>
+                  </a:solidFill>
+                </a:ln>
+                <a:solidFill>
+                  <a:schemeClr val="tx2">
+                    <a:lumMod val="75000"/>
+                  </a:schemeClr>
+                </a:solidFill>
+                <a:latin typeface="+mj-ea"/>
+              </a:rPr>
+              <a:t>활용하여 막대 차트 작성</a:t>
+            </a:r>
+            <a:endParaRPr lang="en-US" altLang="ko-KR" sz="1100" spc="-60" dirty="0">
+              <a:ln>
+                <a:solidFill>
+                  <a:prstClr val="white">
+                    <a:alpha val="0"/>
+                  </a:prstClr>
+                </a:solidFill>
+              </a:ln>
+              <a:solidFill>
+                <a:schemeClr val="tx2">
+                  <a:lumMod val="75000"/>
+                </a:schemeClr>
+              </a:solidFill>
+              <a:latin typeface="+mj-ea"/>
+            </a:endParaRPr>
+          </a:p>
+          <a:p>
+            <a:pPr marL="171450" indent="-171450">
+              <a:buFont typeface="Arial" panose="020B0604020202020204" pitchFamily="34" charset="0"/>
+              <a:buChar char="•"/>
+            </a:pPr>
+            <a:endParaRPr lang="en-US" altLang="ko-KR" sz="1100" spc="-60" dirty="0">
+              <a:ln>
+                <a:solidFill>
+                  <a:prstClr val="white">
+                    <a:alpha val="0"/>
+                  </a:prstClr>
+                </a:solidFill>
+              </a:ln>
+              <a:solidFill>
+                <a:schemeClr val="tx2">
+                  <a:lumMod val="75000"/>
+                </a:schemeClr>
+              </a:solidFill>
+              <a:latin typeface="+mj-ea"/>
+            </a:endParaRPr>
+          </a:p>
+          <a:p>
+            <a:pPr marL="171450" indent="-171450">
+              <a:buFont typeface="Arial" panose="020B0604020202020204" pitchFamily="34" charset="0"/>
+              <a:buChar char="•"/>
+            </a:pPr>
+            <a:r>
+              <a:rPr lang="en-US" altLang="ko-KR" sz="1100" spc="-60" dirty="0">
+                <a:ln>
+                  <a:solidFill>
+                    <a:prstClr val="white">
+                      <a:alpha val="0"/>
+                    </a:prstClr>
+                  </a:solidFill>
+                </a:ln>
+                <a:solidFill>
+                  <a:schemeClr val="tx2">
+                    <a:lumMod val="75000"/>
+                  </a:schemeClr>
+                </a:solidFill>
+                <a:latin typeface="+mj-ea"/>
+              </a:rPr>
+              <a:t>x</a:t>
+            </a:r>
+            <a:r>
+              <a:rPr lang="ko-KR" altLang="en-US" sz="1100" spc="-60" dirty="0">
+                <a:ln>
+                  <a:solidFill>
+                    <a:prstClr val="white">
+                      <a:alpha val="0"/>
+                    </a:prstClr>
+                  </a:solidFill>
+                </a:ln>
+                <a:solidFill>
+                  <a:schemeClr val="tx2">
+                    <a:lumMod val="75000"/>
+                  </a:schemeClr>
+                </a:solidFill>
+                <a:latin typeface="+mj-ea"/>
+              </a:rPr>
+              <a:t>축 </a:t>
+            </a:r>
+            <a:r>
+              <a:rPr lang="en-US" altLang="ko-KR" sz="1100" spc="-60" dirty="0">
+                <a:ln>
+                  <a:solidFill>
+                    <a:prstClr val="white">
+                      <a:alpha val="0"/>
+                    </a:prstClr>
+                  </a:solidFill>
+                </a:ln>
+                <a:solidFill>
+                  <a:schemeClr val="tx2">
+                    <a:lumMod val="75000"/>
+                  </a:schemeClr>
+                </a:solidFill>
+                <a:latin typeface="+mj-ea"/>
+              </a:rPr>
+              <a:t>: week (</a:t>
+            </a:r>
+            <a:r>
+              <a:rPr lang="ko-KR" altLang="en-US" sz="1100" spc="-60" dirty="0">
+                <a:ln>
+                  <a:solidFill>
+                    <a:prstClr val="white">
+                      <a:alpha val="0"/>
+                    </a:prstClr>
+                  </a:solidFill>
+                </a:ln>
+                <a:solidFill>
+                  <a:schemeClr val="tx2">
+                    <a:lumMod val="75000"/>
+                  </a:schemeClr>
+                </a:solidFill>
+                <a:latin typeface="+mj-ea"/>
+              </a:rPr>
+              <a:t>주차</a:t>
+            </a:r>
+            <a:r>
+              <a:rPr lang="en-US" altLang="ko-KR" sz="1100" spc="-60" dirty="0">
+                <a:ln>
+                  <a:solidFill>
+                    <a:prstClr val="white">
+                      <a:alpha val="0"/>
+                    </a:prstClr>
+                  </a:solidFill>
+                </a:ln>
+                <a:solidFill>
+                  <a:schemeClr val="tx2">
+                    <a:lumMod val="75000"/>
+                  </a:schemeClr>
+                </a:solidFill>
+                <a:latin typeface="+mj-ea"/>
+              </a:rPr>
+              <a:t>)</a:t>
+            </a:r>
+          </a:p>
+          <a:p>
+            <a:pPr marL="171450" indent="-171450">
+              <a:buFont typeface="Arial" panose="020B0604020202020204" pitchFamily="34" charset="0"/>
+              <a:buChar char="•"/>
+            </a:pPr>
+            <a:r>
+              <a:rPr lang="en-US" altLang="ko-KR" sz="1100" spc="-60" dirty="0">
+                <a:ln>
+                  <a:solidFill>
+                    <a:prstClr val="white">
+                      <a:alpha val="0"/>
+                    </a:prstClr>
+                  </a:solidFill>
+                </a:ln>
+                <a:solidFill>
+                  <a:schemeClr val="tx2">
+                    <a:lumMod val="75000"/>
+                  </a:schemeClr>
+                </a:solidFill>
+                <a:latin typeface="+mj-ea"/>
+              </a:rPr>
+              <a:t>y</a:t>
+            </a:r>
+            <a:r>
+              <a:rPr lang="ko-KR" altLang="en-US" sz="1100" spc="-60" dirty="0">
+                <a:ln>
+                  <a:solidFill>
+                    <a:prstClr val="white">
+                      <a:alpha val="0"/>
+                    </a:prstClr>
+                  </a:solidFill>
+                </a:ln>
+                <a:solidFill>
+                  <a:schemeClr val="tx2">
+                    <a:lumMod val="75000"/>
+                  </a:schemeClr>
+                </a:solidFill>
+                <a:latin typeface="+mj-ea"/>
+              </a:rPr>
+              <a:t>축 </a:t>
+            </a:r>
+            <a:r>
+              <a:rPr lang="en-US" altLang="ko-KR" sz="1100" spc="-60" dirty="0">
+                <a:ln>
+                  <a:solidFill>
+                    <a:prstClr val="white">
+                      <a:alpha val="0"/>
+                    </a:prstClr>
+                  </a:solidFill>
+                </a:ln>
+                <a:solidFill>
+                  <a:schemeClr val="tx2">
+                    <a:lumMod val="75000"/>
+                  </a:schemeClr>
+                </a:solidFill>
+                <a:latin typeface="+mj-ea"/>
+              </a:rPr>
+              <a:t>: </a:t>
+            </a:r>
+            <a:r>
+              <a:rPr lang="ko-KR" altLang="en-US" sz="1100" spc="-60" dirty="0">
+                <a:ln>
+                  <a:solidFill>
+                    <a:prstClr val="white">
+                      <a:alpha val="0"/>
+                    </a:prstClr>
+                  </a:solidFill>
+                </a:ln>
+                <a:solidFill>
+                  <a:schemeClr val="tx2">
+                    <a:lumMod val="75000"/>
+                  </a:schemeClr>
+                </a:solidFill>
+                <a:latin typeface="+mj-ea"/>
+              </a:rPr>
+              <a:t>누적 거래금액 </a:t>
+            </a:r>
+            <a:r>
+              <a:rPr lang="en-US" altLang="ko-KR" sz="1100" spc="-60" dirty="0">
+                <a:ln>
+                  <a:solidFill>
+                    <a:prstClr val="white">
+                      <a:alpha val="0"/>
+                    </a:prstClr>
+                  </a:solidFill>
+                </a:ln>
+                <a:solidFill>
+                  <a:schemeClr val="tx2">
+                    <a:lumMod val="75000"/>
+                  </a:schemeClr>
+                </a:solidFill>
+                <a:latin typeface="+mj-ea"/>
+              </a:rPr>
+              <a:t>(</a:t>
+            </a:r>
+            <a:r>
+              <a:rPr lang="ko-KR" altLang="en-US" sz="1100" spc="-60" dirty="0">
+                <a:ln>
+                  <a:solidFill>
+                    <a:prstClr val="white">
+                      <a:alpha val="0"/>
+                    </a:prstClr>
+                  </a:solidFill>
+                </a:ln>
+                <a:solidFill>
+                  <a:schemeClr val="tx2">
+                    <a:lumMod val="75000"/>
+                  </a:schemeClr>
+                </a:solidFill>
+                <a:latin typeface="+mj-ea"/>
+              </a:rPr>
+              <a:t>억원</a:t>
+            </a:r>
+            <a:r>
+              <a:rPr lang="en-US" altLang="ko-KR" sz="1100" spc="-60" dirty="0">
+                <a:ln>
+                  <a:solidFill>
+                    <a:prstClr val="white">
+                      <a:alpha val="0"/>
+                    </a:prstClr>
+                  </a:solidFill>
+                </a:ln>
+                <a:solidFill>
+                  <a:schemeClr val="tx2">
+                    <a:lumMod val="75000"/>
+                  </a:schemeClr>
+                </a:solidFill>
+                <a:latin typeface="+mj-ea"/>
+              </a:rPr>
+              <a:t>)</a:t>
+            </a:r>
+          </a:p>
+        </p:txBody>
+      </p:sp>
+      <p:sp>
+        <p:nvSpPr>
+          <p:cNvPr id="31" name="TextBox 30">
+            <a:extLst>
+              <a:ext uri="{FF2B5EF4-FFF2-40B4-BE49-F238E27FC236}">
+                <a16:creationId xmlns:a16="http://schemas.microsoft.com/office/drawing/2014/main" id="{AA4E3547-C3C5-49D0-B6EF-7AFF7B718EFA}"/>
+              </a:ext>
+            </a:extLst>
+          </p:cNvPr>
+          <p:cNvSpPr txBox="1"/>
+          <p:nvPr/>
+        </p:nvSpPr>
+        <p:spPr>
+          <a:xfrm>
+            <a:off x="7445829" y="1269423"/>
+            <a:ext cx="1160895" cy="369332"/>
+          </a:xfrm>
+          <a:prstGeom prst="rect">
+            <a:avLst/>
+          </a:prstGeom>
+          <a:noFill/>
+        </p:spPr>
+        <p:txBody>
+          <a:bodyPr wrap="none" rtlCol="0">
+            <a:spAutoFit/>
+          </a:bodyPr>
+          <a:lstStyle/>
+          <a:p>
+            <a:r>
+              <a:rPr lang="ko-KR" altLang="en-US" b="1" dirty="0"/>
+              <a:t>분석 과정</a:t>
+            </a:r>
+          </a:p>
+        </p:txBody>
+      </p:sp>
+      <p:sp>
+        <p:nvSpPr>
+          <p:cNvPr id="9" name="직사각형 8">
+            <a:extLst>
+              <a:ext uri="{FF2B5EF4-FFF2-40B4-BE49-F238E27FC236}">
+                <a16:creationId xmlns:a16="http://schemas.microsoft.com/office/drawing/2014/main" id="{5B25AD86-019F-4C45-B8F8-5A59E9B071FC}"/>
+              </a:ext>
+            </a:extLst>
+          </p:cNvPr>
+          <p:cNvSpPr/>
+          <p:nvPr/>
+        </p:nvSpPr>
+        <p:spPr>
+          <a:xfrm>
+            <a:off x="0" y="0"/>
+            <a:ext cx="9144000" cy="913118"/>
+          </a:xfrm>
+          <a:prstGeom prst="rect">
+            <a:avLst/>
+          </a:prstGeom>
+          <a:solidFill>
+            <a:srgbClr val="FFFF00">
+              <a:alpha val="70000"/>
+            </a:srgbClr>
+          </a:solidFill>
+          <a:ln>
+            <a:noFill/>
+          </a:ln>
+        </p:spPr>
+        <p:style>
+          <a:lnRef idx="2">
+            <a:schemeClr val="accent1">
+              <a:shade val="50000"/>
+            </a:schemeClr>
+          </a:lnRef>
+          <a:fillRef idx="1">
+            <a:schemeClr val="accent1"/>
+          </a:fillRef>
+          <a:effectRef idx="0">
+            <a:schemeClr val="accent1"/>
+          </a:effectRef>
+          <a:fontRef idx="minor">
+            <a:schemeClr val="lt1"/>
+          </a:fontRef>
+        </p:style>
+        <p:txBody>
+          <a:bodyPr rtlCol="0" anchor="ctr"/>
+          <a:lstStyle/>
+          <a:p>
+            <a:pPr algn="ctr"/>
+            <a:r>
+              <a:rPr lang="en-US" altLang="ko-KR" sz="3600" dirty="0">
+                <a:solidFill>
+                  <a:srgbClr val="FF0000"/>
+                </a:solidFill>
+              </a:rPr>
+              <a:t>&lt;</a:t>
+            </a:r>
+            <a:r>
+              <a:rPr lang="ko-KR" altLang="en-US" sz="3600" dirty="0">
+                <a:solidFill>
+                  <a:srgbClr val="FF0000"/>
+                </a:solidFill>
+              </a:rPr>
+              <a:t>승자 일자 기준</a:t>
+            </a:r>
+            <a:r>
+              <a:rPr lang="en-US" altLang="ko-KR" sz="3600" dirty="0">
+                <a:solidFill>
+                  <a:srgbClr val="FF0000"/>
+                </a:solidFill>
+              </a:rPr>
+              <a:t>_</a:t>
+            </a:r>
+            <a:r>
+              <a:rPr lang="ko-KR" altLang="en-US" sz="3600" dirty="0">
+                <a:solidFill>
+                  <a:srgbClr val="FF0000"/>
+                </a:solidFill>
+              </a:rPr>
+              <a:t>박다솜</a:t>
+            </a:r>
+            <a:r>
+              <a:rPr lang="en-US" altLang="ko-KR" sz="3600" dirty="0">
+                <a:solidFill>
+                  <a:srgbClr val="FF0000"/>
+                </a:solidFill>
+              </a:rPr>
+              <a:t>&gt;</a:t>
+            </a:r>
+            <a:endParaRPr lang="ko-KR" altLang="en-US" sz="1200" strike="sngStrike" dirty="0">
+              <a:solidFill>
+                <a:srgbClr val="FF0000"/>
+              </a:solidFill>
+            </a:endParaRPr>
+          </a:p>
+        </p:txBody>
+      </p:sp>
+      <p:sp>
+        <p:nvSpPr>
+          <p:cNvPr id="12" name="텍스트 개체 틀 6">
+            <a:extLst>
+              <a:ext uri="{FF2B5EF4-FFF2-40B4-BE49-F238E27FC236}">
+                <a16:creationId xmlns:a16="http://schemas.microsoft.com/office/drawing/2014/main" id="{D0EDCBAB-5962-4C0F-BC25-2F0336FB4678}"/>
+              </a:ext>
+            </a:extLst>
+          </p:cNvPr>
+          <p:cNvSpPr txBox="1">
+            <a:spLocks/>
+          </p:cNvSpPr>
+          <p:nvPr/>
+        </p:nvSpPr>
+        <p:spPr>
+          <a:xfrm>
+            <a:off x="544513" y="2068942"/>
+            <a:ext cx="6901316" cy="2059141"/>
+          </a:xfrm>
+          <a:prstGeom prst="rect">
+            <a:avLst/>
+          </a:prstGeom>
+        </p:spPr>
+        <p:txBody>
+          <a:bodyPr/>
+          <a:lstStyle>
+            <a:lvl1pPr marL="228600" indent="-228600" algn="l" defTabSz="914400" rtl="0" eaLnBrk="1" latinLnBrk="1" hangingPunct="1">
+              <a:lnSpc>
+                <a:spcPct val="90000"/>
+              </a:lnSpc>
+              <a:spcBef>
+                <a:spcPts val="1000"/>
+              </a:spcBef>
+              <a:buFont typeface="Arial" panose="020B0604020202020204" pitchFamily="34" charset="0"/>
+              <a:buChar char="•"/>
+              <a:defRPr sz="2000" kern="1200">
+                <a:solidFill>
+                  <a:schemeClr val="tx1"/>
+                </a:solidFill>
+                <a:latin typeface="+mn-lt"/>
+                <a:ea typeface="+mn-ea"/>
+                <a:cs typeface="+mn-cs"/>
+              </a:defRPr>
+            </a:lvl1pPr>
+            <a:lvl2pPr marL="685800" indent="-228600" algn="l" defTabSz="914400" rtl="0" eaLnBrk="1" latinLnBrk="1" hangingPunct="1">
+              <a:lnSpc>
+                <a:spcPct val="90000"/>
+              </a:lnSpc>
+              <a:spcBef>
+                <a:spcPts val="500"/>
+              </a:spcBef>
+              <a:buFont typeface="Arial" panose="020B0604020202020204" pitchFamily="34" charset="0"/>
+              <a:buChar char="•"/>
+              <a:defRPr sz="1800" kern="1200">
+                <a:solidFill>
+                  <a:schemeClr val="tx1"/>
+                </a:solidFill>
+                <a:latin typeface="+mn-lt"/>
+                <a:ea typeface="+mn-ea"/>
+                <a:cs typeface="+mn-cs"/>
+              </a:defRPr>
+            </a:lvl2pPr>
+            <a:lvl3pPr marL="1143000" indent="-228600" algn="l" defTabSz="914400" rtl="0" eaLnBrk="1" latinLnBrk="1" hangingPunct="1">
+              <a:lnSpc>
+                <a:spcPct val="90000"/>
+              </a:lnSpc>
+              <a:spcBef>
+                <a:spcPts val="500"/>
+              </a:spcBef>
+              <a:buFont typeface="Arial" panose="020B0604020202020204" pitchFamily="34" charset="0"/>
+              <a:buChar char="•"/>
+              <a:defRPr sz="1600" kern="1200">
+                <a:solidFill>
+                  <a:schemeClr val="tx1"/>
+                </a:solidFill>
+                <a:latin typeface="+mn-lt"/>
+                <a:ea typeface="+mn-ea"/>
+                <a:cs typeface="+mn-cs"/>
+              </a:defRPr>
+            </a:lvl3pPr>
+            <a:lvl4pPr marL="1600200" indent="-228600" algn="l" defTabSz="914400" rtl="0" eaLnBrk="1" latinLnBrk="1" hangingPunct="1">
+              <a:lnSpc>
+                <a:spcPct val="90000"/>
+              </a:lnSpc>
+              <a:spcBef>
+                <a:spcPts val="500"/>
+              </a:spcBef>
+              <a:buFont typeface="Arial" panose="020B0604020202020204" pitchFamily="34" charset="0"/>
+              <a:buChar char="•"/>
+              <a:defRPr sz="1400" kern="1200">
+                <a:solidFill>
+                  <a:schemeClr val="tx1"/>
+                </a:solidFill>
+                <a:latin typeface="+mn-lt"/>
+                <a:ea typeface="+mn-ea"/>
+                <a:cs typeface="+mn-cs"/>
+              </a:defRPr>
+            </a:lvl4pPr>
+            <a:lvl5pPr marL="2057400" indent="-228600" algn="l" defTabSz="914400" rtl="0" eaLnBrk="1" latinLnBrk="1" hangingPunct="1">
+              <a:lnSpc>
+                <a:spcPct val="90000"/>
+              </a:lnSpc>
+              <a:spcBef>
+                <a:spcPts val="500"/>
+              </a:spcBef>
+              <a:buFont typeface="Arial" panose="020B0604020202020204" pitchFamily="34" charset="0"/>
+              <a:buChar char="•"/>
+              <a:defRPr sz="1200" kern="1200">
+                <a:solidFill>
+                  <a:schemeClr val="tx1"/>
+                </a:solidFill>
+                <a:latin typeface="+mn-lt"/>
+                <a:ea typeface="+mn-ea"/>
+                <a:cs typeface="+mn-cs"/>
+              </a:defRPr>
+            </a:lvl5pPr>
+            <a:lvl6pPr marL="2514600" indent="-228600" algn="l" defTabSz="914400" rtl="0" eaLnBrk="1" latinLnBrk="1" hangingPunct="1">
+              <a:lnSpc>
+                <a:spcPct val="90000"/>
+              </a:lnSpc>
+              <a:spcBef>
+                <a:spcPts val="500"/>
+              </a:spcBef>
+              <a:buFont typeface="Arial" panose="020B0604020202020204" pitchFamily="34" charset="0"/>
+              <a:buChar char="•"/>
+              <a:defRPr sz="1800" kern="1200">
+                <a:solidFill>
+                  <a:schemeClr val="tx1"/>
+                </a:solidFill>
+                <a:latin typeface="+mn-lt"/>
+                <a:ea typeface="+mn-ea"/>
+                <a:cs typeface="+mn-cs"/>
+              </a:defRPr>
+            </a:lvl6pPr>
+            <a:lvl7pPr marL="2971800" indent="-228600" algn="l" defTabSz="914400" rtl="0" eaLnBrk="1" latinLnBrk="1" hangingPunct="1">
+              <a:lnSpc>
+                <a:spcPct val="90000"/>
+              </a:lnSpc>
+              <a:spcBef>
+                <a:spcPts val="500"/>
+              </a:spcBef>
+              <a:buFont typeface="Arial" panose="020B0604020202020204" pitchFamily="34" charset="0"/>
+              <a:buChar char="•"/>
+              <a:defRPr sz="1800" kern="1200">
+                <a:solidFill>
+                  <a:schemeClr val="tx1"/>
+                </a:solidFill>
+                <a:latin typeface="+mn-lt"/>
+                <a:ea typeface="+mn-ea"/>
+                <a:cs typeface="+mn-cs"/>
+              </a:defRPr>
+            </a:lvl7pPr>
+            <a:lvl8pPr marL="3429000" indent="-228600" algn="l" defTabSz="914400" rtl="0" eaLnBrk="1" latinLnBrk="1" hangingPunct="1">
+              <a:lnSpc>
+                <a:spcPct val="90000"/>
+              </a:lnSpc>
+              <a:spcBef>
+                <a:spcPts val="500"/>
+              </a:spcBef>
+              <a:buFont typeface="Arial" panose="020B0604020202020204" pitchFamily="34" charset="0"/>
+              <a:buChar char="•"/>
+              <a:defRPr sz="1800" kern="1200">
+                <a:solidFill>
+                  <a:schemeClr val="tx1"/>
+                </a:solidFill>
+                <a:latin typeface="+mn-lt"/>
+                <a:ea typeface="+mn-ea"/>
+                <a:cs typeface="+mn-cs"/>
+              </a:defRPr>
+            </a:lvl8pPr>
+            <a:lvl9pPr marL="3886200" indent="-228600" algn="l" defTabSz="914400" rtl="0" eaLnBrk="1" latinLnBrk="1" hangingPunct="1">
+              <a:lnSpc>
+                <a:spcPct val="90000"/>
+              </a:lnSpc>
+              <a:spcBef>
+                <a:spcPts val="500"/>
+              </a:spcBef>
+              <a:buFont typeface="Arial" panose="020B0604020202020204" pitchFamily="34" charset="0"/>
+              <a:buChar char="•"/>
+              <a:defRPr sz="1800" kern="1200">
+                <a:solidFill>
+                  <a:schemeClr val="tx1"/>
+                </a:solidFill>
+                <a:latin typeface="+mn-lt"/>
+                <a:ea typeface="+mn-ea"/>
+                <a:cs typeface="+mn-cs"/>
+              </a:defRPr>
+            </a:lvl9pPr>
+          </a:lstStyle>
+          <a:p>
+            <a:pPr marL="800100" lvl="1" indent="-342900">
+              <a:spcBef>
+                <a:spcPts val="1000"/>
+              </a:spcBef>
+              <a:buFont typeface="+mj-ea"/>
+              <a:buAutoNum type="circleNumDbPlain"/>
+            </a:pPr>
+            <a:r>
+              <a:rPr lang="ko-KR" altLang="en-US" spc="-60" dirty="0" err="1">
+                <a:ln>
+                  <a:solidFill>
+                    <a:prstClr val="white">
+                      <a:alpha val="0"/>
+                    </a:prstClr>
+                  </a:solidFill>
+                </a:ln>
+                <a:solidFill>
+                  <a:schemeClr val="tx2">
+                    <a:lumMod val="75000"/>
+                  </a:schemeClr>
+                </a:solidFill>
+                <a:latin typeface="+mj-ea"/>
+                <a:ea typeface="+mj-ea"/>
+              </a:rPr>
+              <a:t>요일별</a:t>
+            </a:r>
+            <a:r>
+              <a:rPr lang="ko-KR" altLang="en-US" spc="-60" dirty="0">
+                <a:ln>
+                  <a:solidFill>
+                    <a:prstClr val="white">
+                      <a:alpha val="0"/>
+                    </a:prstClr>
+                  </a:solidFill>
+                </a:ln>
+                <a:solidFill>
+                  <a:schemeClr val="tx2">
+                    <a:lumMod val="75000"/>
+                  </a:schemeClr>
+                </a:solidFill>
+                <a:latin typeface="+mj-ea"/>
+                <a:ea typeface="+mj-ea"/>
+              </a:rPr>
+              <a:t> 거래금액이 가장 높은 요일은 </a:t>
+            </a:r>
+            <a:r>
+              <a:rPr lang="en-US" altLang="ko-KR" spc="-60" dirty="0">
+                <a:ln>
+                  <a:solidFill>
+                    <a:prstClr val="white">
+                      <a:alpha val="0"/>
+                    </a:prstClr>
+                  </a:solidFill>
+                </a:ln>
+                <a:solidFill>
+                  <a:schemeClr val="tx2">
+                    <a:lumMod val="75000"/>
+                  </a:schemeClr>
+                </a:solidFill>
+                <a:latin typeface="+mj-ea"/>
+                <a:ea typeface="+mj-ea"/>
+              </a:rPr>
+              <a:t>‘</a:t>
+            </a:r>
+            <a:r>
+              <a:rPr lang="ko-KR" altLang="en-US" spc="-60" dirty="0">
+                <a:ln>
+                  <a:solidFill>
+                    <a:prstClr val="white">
+                      <a:alpha val="0"/>
+                    </a:prstClr>
+                  </a:solidFill>
+                </a:ln>
+                <a:solidFill>
+                  <a:schemeClr val="tx2">
+                    <a:lumMod val="75000"/>
+                  </a:schemeClr>
+                </a:solidFill>
+                <a:latin typeface="+mj-ea"/>
+                <a:ea typeface="+mj-ea"/>
+              </a:rPr>
+              <a:t>토요일</a:t>
+            </a:r>
+            <a:r>
+              <a:rPr lang="en-US" altLang="ko-KR" spc="-60" dirty="0">
+                <a:ln>
+                  <a:solidFill>
+                    <a:prstClr val="white">
+                      <a:alpha val="0"/>
+                    </a:prstClr>
+                  </a:solidFill>
+                </a:ln>
+                <a:solidFill>
+                  <a:schemeClr val="tx2">
+                    <a:lumMod val="75000"/>
+                  </a:schemeClr>
+                </a:solidFill>
+                <a:latin typeface="+mj-ea"/>
+                <a:ea typeface="+mj-ea"/>
+              </a:rPr>
+              <a:t>’</a:t>
+            </a:r>
+            <a:r>
+              <a:rPr lang="ko-KR" altLang="en-US" spc="-60" dirty="0">
+                <a:ln>
+                  <a:solidFill>
+                    <a:prstClr val="white">
+                      <a:alpha val="0"/>
+                    </a:prstClr>
+                  </a:solidFill>
+                </a:ln>
+                <a:solidFill>
+                  <a:schemeClr val="tx2">
+                    <a:lumMod val="75000"/>
+                  </a:schemeClr>
+                </a:solidFill>
+                <a:latin typeface="+mj-ea"/>
+                <a:ea typeface="+mj-ea"/>
+              </a:rPr>
+              <a:t>로 나타남</a:t>
+            </a:r>
+            <a:r>
+              <a:rPr lang="en-US" altLang="ko-KR" spc="-60" dirty="0">
+                <a:ln>
+                  <a:solidFill>
+                    <a:prstClr val="white">
+                      <a:alpha val="0"/>
+                    </a:prstClr>
+                  </a:solidFill>
+                </a:ln>
+                <a:solidFill>
+                  <a:schemeClr val="tx2">
+                    <a:lumMod val="75000"/>
+                  </a:schemeClr>
+                </a:solidFill>
+                <a:latin typeface="+mj-ea"/>
+                <a:ea typeface="+mj-ea"/>
+              </a:rPr>
+              <a:t>.    (</a:t>
+            </a:r>
+            <a:r>
+              <a:rPr lang="ko-KR" altLang="en-US" spc="-60" dirty="0">
+                <a:ln>
+                  <a:solidFill>
+                    <a:prstClr val="white">
+                      <a:alpha val="0"/>
+                    </a:prstClr>
+                  </a:solidFill>
+                </a:ln>
+                <a:solidFill>
+                  <a:schemeClr val="tx2">
+                    <a:lumMod val="75000"/>
+                  </a:schemeClr>
+                </a:solidFill>
+                <a:latin typeface="+mj-ea"/>
+                <a:ea typeface="+mj-ea"/>
+              </a:rPr>
+              <a:t>약 </a:t>
+            </a:r>
+            <a:r>
+              <a:rPr lang="en-US" altLang="ko-KR" spc="-60" dirty="0">
+                <a:ln>
+                  <a:solidFill>
+                    <a:prstClr val="white">
+                      <a:alpha val="0"/>
+                    </a:prstClr>
+                  </a:solidFill>
+                </a:ln>
+                <a:solidFill>
+                  <a:schemeClr val="tx2">
+                    <a:lumMod val="75000"/>
+                  </a:schemeClr>
+                </a:solidFill>
+                <a:latin typeface="+mj-ea"/>
+                <a:ea typeface="+mj-ea"/>
+              </a:rPr>
+              <a:t>8</a:t>
+            </a:r>
+            <a:r>
+              <a:rPr lang="ko-KR" altLang="en-US" spc="-60" dirty="0">
+                <a:ln>
+                  <a:solidFill>
+                    <a:prstClr val="white">
+                      <a:alpha val="0"/>
+                    </a:prstClr>
+                  </a:solidFill>
+                </a:ln>
+                <a:solidFill>
+                  <a:schemeClr val="tx2">
+                    <a:lumMod val="75000"/>
+                  </a:schemeClr>
+                </a:solidFill>
+                <a:latin typeface="+mj-ea"/>
+                <a:ea typeface="+mj-ea"/>
+              </a:rPr>
+              <a:t>억 </a:t>
+            </a:r>
+            <a:r>
+              <a:rPr lang="en-US" altLang="ko-KR" spc="-60" dirty="0">
+                <a:ln>
+                  <a:solidFill>
+                    <a:prstClr val="white">
+                      <a:alpha val="0"/>
+                    </a:prstClr>
+                  </a:solidFill>
+                </a:ln>
+                <a:solidFill>
+                  <a:schemeClr val="tx2">
+                    <a:lumMod val="75000"/>
+                  </a:schemeClr>
+                </a:solidFill>
+                <a:latin typeface="+mj-ea"/>
+                <a:ea typeface="+mj-ea"/>
+              </a:rPr>
+              <a:t>9</a:t>
+            </a:r>
+            <a:r>
+              <a:rPr lang="ko-KR" altLang="en-US" spc="-60" dirty="0">
+                <a:ln>
+                  <a:solidFill>
+                    <a:prstClr val="white">
+                      <a:alpha val="0"/>
+                    </a:prstClr>
+                  </a:solidFill>
+                </a:ln>
+                <a:solidFill>
+                  <a:schemeClr val="tx2">
+                    <a:lumMod val="75000"/>
+                  </a:schemeClr>
+                </a:solidFill>
+                <a:latin typeface="+mj-ea"/>
+                <a:ea typeface="+mj-ea"/>
+              </a:rPr>
+              <a:t>천만원</a:t>
+            </a:r>
+            <a:r>
+              <a:rPr lang="en-US" altLang="ko-KR" spc="-60" dirty="0">
+                <a:ln>
+                  <a:solidFill>
+                    <a:prstClr val="white">
+                      <a:alpha val="0"/>
+                    </a:prstClr>
+                  </a:solidFill>
+                </a:ln>
+                <a:solidFill>
+                  <a:schemeClr val="tx2">
+                    <a:lumMod val="75000"/>
+                  </a:schemeClr>
+                </a:solidFill>
+                <a:latin typeface="+mj-ea"/>
+                <a:ea typeface="+mj-ea"/>
+              </a:rPr>
+              <a:t>)</a:t>
+            </a:r>
+          </a:p>
+          <a:p>
+            <a:pPr marL="800100" lvl="1" indent="-342900">
+              <a:spcBef>
+                <a:spcPts val="1000"/>
+              </a:spcBef>
+              <a:buFont typeface="+mj-ea"/>
+              <a:buAutoNum type="circleNumDbPlain"/>
+            </a:pPr>
+            <a:r>
+              <a:rPr lang="ko-KR" altLang="en-US" spc="-60" dirty="0" err="1">
+                <a:ln>
+                  <a:solidFill>
+                    <a:prstClr val="white">
+                      <a:alpha val="0"/>
+                    </a:prstClr>
+                  </a:solidFill>
+                </a:ln>
+                <a:solidFill>
+                  <a:schemeClr val="tx2">
+                    <a:lumMod val="75000"/>
+                  </a:schemeClr>
+                </a:solidFill>
+                <a:latin typeface="+mj-ea"/>
+                <a:ea typeface="+mj-ea"/>
+              </a:rPr>
+              <a:t>요일별</a:t>
+            </a:r>
+            <a:r>
+              <a:rPr lang="ko-KR" altLang="en-US" spc="-60" dirty="0">
+                <a:ln>
+                  <a:solidFill>
+                    <a:prstClr val="white">
+                      <a:alpha val="0"/>
+                    </a:prstClr>
+                  </a:solidFill>
+                </a:ln>
+                <a:solidFill>
+                  <a:schemeClr val="tx2">
+                    <a:lumMod val="75000"/>
+                  </a:schemeClr>
+                </a:solidFill>
+                <a:latin typeface="+mj-ea"/>
+                <a:ea typeface="+mj-ea"/>
+              </a:rPr>
+              <a:t> 거래금액이 가장 낮은 요일은 </a:t>
+            </a:r>
+            <a:r>
+              <a:rPr lang="en-US" altLang="ko-KR" spc="-60" dirty="0">
+                <a:ln>
+                  <a:solidFill>
+                    <a:prstClr val="white">
+                      <a:alpha val="0"/>
+                    </a:prstClr>
+                  </a:solidFill>
+                </a:ln>
+                <a:solidFill>
+                  <a:schemeClr val="tx2">
+                    <a:lumMod val="75000"/>
+                  </a:schemeClr>
+                </a:solidFill>
+                <a:latin typeface="+mj-ea"/>
+                <a:ea typeface="+mj-ea"/>
+              </a:rPr>
+              <a:t>‘</a:t>
+            </a:r>
+            <a:r>
+              <a:rPr lang="ko-KR" altLang="en-US" spc="-60" dirty="0">
+                <a:ln>
+                  <a:solidFill>
+                    <a:prstClr val="white">
+                      <a:alpha val="0"/>
+                    </a:prstClr>
+                  </a:solidFill>
+                </a:ln>
+                <a:solidFill>
+                  <a:schemeClr val="tx2">
+                    <a:lumMod val="75000"/>
+                  </a:schemeClr>
+                </a:solidFill>
+                <a:latin typeface="+mj-ea"/>
+                <a:ea typeface="+mj-ea"/>
+              </a:rPr>
+              <a:t>일요일</a:t>
+            </a:r>
+            <a:r>
+              <a:rPr lang="en-US" altLang="ko-KR" spc="-60" dirty="0">
+                <a:ln>
+                  <a:solidFill>
+                    <a:prstClr val="white">
+                      <a:alpha val="0"/>
+                    </a:prstClr>
+                  </a:solidFill>
+                </a:ln>
+                <a:solidFill>
+                  <a:schemeClr val="tx2">
+                    <a:lumMod val="75000"/>
+                  </a:schemeClr>
+                </a:solidFill>
+                <a:latin typeface="+mj-ea"/>
+                <a:ea typeface="+mj-ea"/>
+              </a:rPr>
+              <a:t>’</a:t>
+            </a:r>
+            <a:r>
+              <a:rPr lang="ko-KR" altLang="en-US" spc="-60" dirty="0">
+                <a:ln>
+                  <a:solidFill>
+                    <a:prstClr val="white">
+                      <a:alpha val="0"/>
+                    </a:prstClr>
+                  </a:solidFill>
+                </a:ln>
+                <a:solidFill>
+                  <a:schemeClr val="tx2">
+                    <a:lumMod val="75000"/>
+                  </a:schemeClr>
+                </a:solidFill>
+                <a:latin typeface="+mj-ea"/>
+                <a:ea typeface="+mj-ea"/>
+              </a:rPr>
+              <a:t>로 나타남</a:t>
+            </a:r>
+            <a:r>
+              <a:rPr lang="en-US" altLang="ko-KR" spc="-60" dirty="0">
+                <a:ln>
+                  <a:solidFill>
+                    <a:prstClr val="white">
+                      <a:alpha val="0"/>
+                    </a:prstClr>
+                  </a:solidFill>
+                </a:ln>
+                <a:solidFill>
+                  <a:schemeClr val="tx2">
+                    <a:lumMod val="75000"/>
+                  </a:schemeClr>
+                </a:solidFill>
+                <a:latin typeface="+mj-ea"/>
+                <a:ea typeface="+mj-ea"/>
+              </a:rPr>
+              <a:t>.   (</a:t>
+            </a:r>
+            <a:r>
+              <a:rPr lang="ko-KR" altLang="en-US" spc="-60" dirty="0">
+                <a:ln>
+                  <a:solidFill>
+                    <a:prstClr val="white">
+                      <a:alpha val="0"/>
+                    </a:prstClr>
+                  </a:solidFill>
+                </a:ln>
+                <a:solidFill>
+                  <a:schemeClr val="tx2">
+                    <a:lumMod val="75000"/>
+                  </a:schemeClr>
+                </a:solidFill>
+                <a:latin typeface="+mj-ea"/>
+                <a:ea typeface="+mj-ea"/>
+              </a:rPr>
+              <a:t>약 </a:t>
+            </a:r>
+            <a:r>
+              <a:rPr lang="en-US" altLang="ko-KR" spc="-60" dirty="0">
+                <a:ln>
+                  <a:solidFill>
+                    <a:prstClr val="white">
+                      <a:alpha val="0"/>
+                    </a:prstClr>
+                  </a:solidFill>
+                </a:ln>
+                <a:solidFill>
+                  <a:schemeClr val="tx2">
+                    <a:lumMod val="75000"/>
+                  </a:schemeClr>
+                </a:solidFill>
+                <a:latin typeface="+mj-ea"/>
+                <a:ea typeface="+mj-ea"/>
+              </a:rPr>
+              <a:t>6</a:t>
+            </a:r>
+            <a:r>
+              <a:rPr lang="ko-KR" altLang="en-US" spc="-60" dirty="0">
+                <a:ln>
+                  <a:solidFill>
+                    <a:prstClr val="white">
+                      <a:alpha val="0"/>
+                    </a:prstClr>
+                  </a:solidFill>
+                </a:ln>
+                <a:solidFill>
+                  <a:schemeClr val="tx2">
+                    <a:lumMod val="75000"/>
+                  </a:schemeClr>
+                </a:solidFill>
+                <a:latin typeface="+mj-ea"/>
+                <a:ea typeface="+mj-ea"/>
+              </a:rPr>
+              <a:t>억</a:t>
+            </a:r>
+            <a:r>
+              <a:rPr lang="en-US" altLang="ko-KR" spc="-60" dirty="0">
+                <a:ln>
+                  <a:solidFill>
+                    <a:prstClr val="white">
+                      <a:alpha val="0"/>
+                    </a:prstClr>
+                  </a:solidFill>
+                </a:ln>
+                <a:solidFill>
+                  <a:schemeClr val="tx2">
+                    <a:lumMod val="75000"/>
+                  </a:schemeClr>
+                </a:solidFill>
+                <a:latin typeface="+mj-ea"/>
+                <a:ea typeface="+mj-ea"/>
+              </a:rPr>
+              <a:t>) </a:t>
+            </a:r>
+          </a:p>
+          <a:p>
+            <a:pPr marL="800100" lvl="1" indent="-342900">
+              <a:spcBef>
+                <a:spcPts val="1000"/>
+              </a:spcBef>
+              <a:buFont typeface="+mj-ea"/>
+              <a:buAutoNum type="circleNumDbPlain"/>
+            </a:pPr>
+            <a:r>
+              <a:rPr lang="ko-KR" altLang="en-US" spc="-60" dirty="0" err="1">
+                <a:ln>
+                  <a:solidFill>
+                    <a:prstClr val="white">
+                      <a:alpha val="0"/>
+                    </a:prstClr>
+                  </a:solidFill>
+                </a:ln>
+                <a:solidFill>
+                  <a:schemeClr val="tx2">
+                    <a:lumMod val="75000"/>
+                  </a:schemeClr>
+                </a:solidFill>
+                <a:latin typeface="+mj-ea"/>
+                <a:ea typeface="+mj-ea"/>
+              </a:rPr>
+              <a:t>울산페이</a:t>
+            </a:r>
+            <a:r>
+              <a:rPr lang="ko-KR" altLang="en-US" spc="-60" dirty="0">
+                <a:ln>
+                  <a:solidFill>
+                    <a:prstClr val="white">
+                      <a:alpha val="0"/>
+                    </a:prstClr>
+                  </a:solidFill>
+                </a:ln>
+                <a:solidFill>
+                  <a:schemeClr val="tx2">
+                    <a:lumMod val="75000"/>
+                  </a:schemeClr>
+                </a:solidFill>
+                <a:latin typeface="+mj-ea"/>
+                <a:ea typeface="+mj-ea"/>
+              </a:rPr>
+              <a:t> 거래금액은 목</a:t>
+            </a:r>
+            <a:r>
+              <a:rPr lang="en-US" altLang="ko-KR" spc="-60" dirty="0">
+                <a:ln>
+                  <a:solidFill>
+                    <a:prstClr val="white">
+                      <a:alpha val="0"/>
+                    </a:prstClr>
+                  </a:solidFill>
+                </a:ln>
+                <a:solidFill>
+                  <a:schemeClr val="tx2">
+                    <a:lumMod val="75000"/>
+                  </a:schemeClr>
+                </a:solidFill>
+                <a:latin typeface="+mj-ea"/>
+                <a:ea typeface="+mj-ea"/>
+              </a:rPr>
+              <a:t>,</a:t>
+            </a:r>
+            <a:r>
+              <a:rPr lang="ko-KR" altLang="en-US" spc="-60" dirty="0">
+                <a:ln>
+                  <a:solidFill>
+                    <a:prstClr val="white">
+                      <a:alpha val="0"/>
+                    </a:prstClr>
+                  </a:solidFill>
+                </a:ln>
+                <a:solidFill>
+                  <a:schemeClr val="tx2">
+                    <a:lumMod val="75000"/>
+                  </a:schemeClr>
+                </a:solidFill>
+                <a:latin typeface="+mj-ea"/>
+                <a:ea typeface="+mj-ea"/>
+              </a:rPr>
+              <a:t>금</a:t>
+            </a:r>
+            <a:r>
+              <a:rPr lang="en-US" altLang="ko-KR" spc="-60" dirty="0">
+                <a:ln>
+                  <a:solidFill>
+                    <a:prstClr val="white">
+                      <a:alpha val="0"/>
+                    </a:prstClr>
+                  </a:solidFill>
+                </a:ln>
+                <a:solidFill>
+                  <a:schemeClr val="tx2">
+                    <a:lumMod val="75000"/>
+                  </a:schemeClr>
+                </a:solidFill>
+                <a:latin typeface="+mj-ea"/>
+                <a:ea typeface="+mj-ea"/>
+              </a:rPr>
+              <a:t>,</a:t>
+            </a:r>
+            <a:r>
+              <a:rPr lang="ko-KR" altLang="en-US" spc="-60" dirty="0">
+                <a:ln>
+                  <a:solidFill>
+                    <a:prstClr val="white">
+                      <a:alpha val="0"/>
+                    </a:prstClr>
+                  </a:solidFill>
+                </a:ln>
+                <a:solidFill>
+                  <a:schemeClr val="tx2">
+                    <a:lumMod val="75000"/>
+                  </a:schemeClr>
+                </a:solidFill>
+                <a:latin typeface="+mj-ea"/>
+                <a:ea typeface="+mj-ea"/>
+              </a:rPr>
+              <a:t>토가 평균적으로 높게 나타남</a:t>
+            </a:r>
+            <a:r>
+              <a:rPr lang="en-US" altLang="ko-KR" spc="-60" dirty="0">
+                <a:ln>
+                  <a:solidFill>
+                    <a:prstClr val="white">
+                      <a:alpha val="0"/>
+                    </a:prstClr>
+                  </a:solidFill>
+                </a:ln>
+                <a:solidFill>
+                  <a:schemeClr val="tx2">
+                    <a:lumMod val="75000"/>
+                  </a:schemeClr>
+                </a:solidFill>
+                <a:latin typeface="+mj-ea"/>
+                <a:ea typeface="+mj-ea"/>
+              </a:rPr>
+              <a:t>.(</a:t>
+            </a:r>
+            <a:r>
+              <a:rPr lang="ko-KR" altLang="en-US" spc="-60" dirty="0">
+                <a:ln>
+                  <a:solidFill>
+                    <a:prstClr val="white">
+                      <a:alpha val="0"/>
+                    </a:prstClr>
+                  </a:solidFill>
+                </a:ln>
+                <a:solidFill>
+                  <a:schemeClr val="tx2">
+                    <a:lumMod val="75000"/>
+                  </a:schemeClr>
+                </a:solidFill>
+                <a:latin typeface="+mj-ea"/>
+                <a:ea typeface="+mj-ea"/>
+              </a:rPr>
+              <a:t>약</a:t>
+            </a:r>
+            <a:r>
+              <a:rPr lang="en-US" altLang="ko-KR" spc="-60" dirty="0">
+                <a:ln>
+                  <a:solidFill>
+                    <a:prstClr val="white">
+                      <a:alpha val="0"/>
+                    </a:prstClr>
+                  </a:solidFill>
+                </a:ln>
+                <a:solidFill>
+                  <a:schemeClr val="tx2">
+                    <a:lumMod val="75000"/>
+                  </a:schemeClr>
+                </a:solidFill>
+                <a:latin typeface="+mj-ea"/>
+                <a:ea typeface="+mj-ea"/>
+              </a:rPr>
+              <a:t> 8 </a:t>
+            </a:r>
+            <a:r>
+              <a:rPr lang="ko-KR" altLang="en-US" spc="-60" dirty="0">
+                <a:ln>
+                  <a:solidFill>
+                    <a:prstClr val="white">
+                      <a:alpha val="0"/>
+                    </a:prstClr>
+                  </a:solidFill>
+                </a:ln>
+                <a:solidFill>
+                  <a:schemeClr val="tx2">
+                    <a:lumMod val="75000"/>
+                  </a:schemeClr>
+                </a:solidFill>
+                <a:latin typeface="+mj-ea"/>
+                <a:ea typeface="+mj-ea"/>
+              </a:rPr>
+              <a:t>억 </a:t>
+            </a:r>
+            <a:r>
+              <a:rPr lang="en-US" altLang="ko-KR" spc="-60" dirty="0">
+                <a:ln>
+                  <a:solidFill>
+                    <a:prstClr val="white">
+                      <a:alpha val="0"/>
+                    </a:prstClr>
+                  </a:solidFill>
+                </a:ln>
+                <a:solidFill>
+                  <a:schemeClr val="tx2">
+                    <a:lumMod val="75000"/>
+                  </a:schemeClr>
+                </a:solidFill>
+                <a:latin typeface="+mj-ea"/>
+                <a:ea typeface="+mj-ea"/>
+              </a:rPr>
+              <a:t>6</a:t>
+            </a:r>
+            <a:r>
+              <a:rPr lang="ko-KR" altLang="en-US" spc="-60" dirty="0">
+                <a:ln>
+                  <a:solidFill>
+                    <a:prstClr val="white">
+                      <a:alpha val="0"/>
+                    </a:prstClr>
+                  </a:solidFill>
+                </a:ln>
+                <a:solidFill>
+                  <a:schemeClr val="tx2">
+                    <a:lumMod val="75000"/>
+                  </a:schemeClr>
+                </a:solidFill>
+                <a:latin typeface="+mj-ea"/>
+                <a:ea typeface="+mj-ea"/>
+              </a:rPr>
+              <a:t>천만원</a:t>
+            </a:r>
+            <a:r>
+              <a:rPr lang="en-US" altLang="ko-KR" spc="-60" dirty="0">
+                <a:ln>
+                  <a:solidFill>
+                    <a:prstClr val="white">
+                      <a:alpha val="0"/>
+                    </a:prstClr>
+                  </a:solidFill>
+                </a:ln>
+                <a:solidFill>
+                  <a:schemeClr val="tx2">
+                    <a:lumMod val="75000"/>
+                  </a:schemeClr>
+                </a:solidFill>
+                <a:latin typeface="+mj-ea"/>
+                <a:ea typeface="+mj-ea"/>
+              </a:rPr>
+              <a:t>)</a:t>
+            </a:r>
+          </a:p>
+          <a:p>
+            <a:pPr marL="800100" lvl="1" indent="-342900">
+              <a:spcBef>
+                <a:spcPts val="1000"/>
+              </a:spcBef>
+              <a:buFont typeface="+mj-ea"/>
+              <a:buAutoNum type="circleNumDbPlain"/>
+            </a:pPr>
+            <a:endParaRPr lang="en-US" altLang="ko-KR" spc="-60" dirty="0">
+              <a:ln>
+                <a:solidFill>
+                  <a:prstClr val="white">
+                    <a:alpha val="0"/>
+                  </a:prstClr>
+                </a:solidFill>
+              </a:ln>
+              <a:solidFill>
+                <a:schemeClr val="tx2">
+                  <a:lumMod val="75000"/>
+                </a:schemeClr>
+              </a:solidFill>
+              <a:latin typeface="+mj-ea"/>
+              <a:ea typeface="+mj-ea"/>
+            </a:endParaRPr>
+          </a:p>
+          <a:p>
+            <a:pPr marL="457200" lvl="1" indent="0">
+              <a:spcBef>
+                <a:spcPts val="1000"/>
+              </a:spcBef>
+              <a:buFont typeface="Arial" panose="020B0604020202020204" pitchFamily="34" charset="0"/>
+              <a:buNone/>
+            </a:pPr>
+            <a:endParaRPr lang="en-US" altLang="ko-KR" spc="-60" dirty="0">
+              <a:ln>
+                <a:solidFill>
+                  <a:prstClr val="white">
+                    <a:alpha val="0"/>
+                  </a:prstClr>
+                </a:solidFill>
+              </a:ln>
+              <a:solidFill>
+                <a:schemeClr val="tx2">
+                  <a:lumMod val="75000"/>
+                </a:schemeClr>
+              </a:solidFill>
+              <a:latin typeface="+mj-ea"/>
+              <a:ea typeface="+mj-ea"/>
+            </a:endParaRPr>
+          </a:p>
+        </p:txBody>
+      </p:sp>
+      <p:sp>
+        <p:nvSpPr>
+          <p:cNvPr id="7" name="텍스트 개체 틀 6">
+            <a:extLst>
+              <a:ext uri="{FF2B5EF4-FFF2-40B4-BE49-F238E27FC236}">
+                <a16:creationId xmlns:a16="http://schemas.microsoft.com/office/drawing/2014/main" id="{DEDED96D-CEB5-4616-BE9C-4046A751D563}"/>
+              </a:ext>
+            </a:extLst>
+          </p:cNvPr>
+          <p:cNvSpPr>
+            <a:spLocks noGrp="1"/>
+          </p:cNvSpPr>
+          <p:nvPr>
+            <p:ph type="body" sz="quarter" idx="13"/>
+          </p:nvPr>
+        </p:nvSpPr>
+        <p:spPr>
+          <a:xfrm>
+            <a:off x="544513" y="1668463"/>
+            <a:ext cx="6901316" cy="416161"/>
+          </a:xfrm>
+        </p:spPr>
+        <p:txBody>
+          <a:bodyPr/>
+          <a:lstStyle/>
+          <a:p>
+            <a:pPr marL="171450" indent="-171450">
+              <a:spcBef>
+                <a:spcPts val="1000"/>
+              </a:spcBef>
+              <a:buFont typeface="Arial" panose="020B0604020202020204" pitchFamily="34" charset="0"/>
+              <a:buChar char="•"/>
+            </a:pPr>
+            <a:r>
+              <a:rPr lang="ko-KR" altLang="en-US" sz="2000" spc="-60" dirty="0">
+                <a:ln>
+                  <a:solidFill>
+                    <a:prstClr val="white">
+                      <a:alpha val="0"/>
+                    </a:prstClr>
+                  </a:solidFill>
+                </a:ln>
+                <a:solidFill>
+                  <a:schemeClr val="tx2">
+                    <a:lumMod val="75000"/>
+                  </a:schemeClr>
+                </a:solidFill>
+                <a:latin typeface="+mj-ea"/>
+                <a:ea typeface="+mj-ea"/>
+              </a:rPr>
+              <a:t>별 </a:t>
+            </a:r>
+            <a:r>
+              <a:rPr lang="ko-KR" altLang="en-US" spc="-60" dirty="0">
+                <a:ln>
+                  <a:solidFill>
+                    <a:prstClr val="white">
+                      <a:alpha val="0"/>
+                    </a:prstClr>
+                  </a:solidFill>
+                </a:ln>
+                <a:solidFill>
+                  <a:schemeClr val="tx2">
+                    <a:lumMod val="75000"/>
+                  </a:schemeClr>
+                </a:solidFill>
+                <a:latin typeface="+mj-ea"/>
+                <a:ea typeface="+mj-ea"/>
+              </a:rPr>
+              <a:t>거래</a:t>
+            </a:r>
+            <a:r>
+              <a:rPr lang="ko-KR" altLang="en-US" sz="2000" spc="-60" dirty="0">
+                <a:ln>
+                  <a:solidFill>
+                    <a:prstClr val="white">
+                      <a:alpha val="0"/>
+                    </a:prstClr>
+                  </a:solidFill>
+                </a:ln>
+                <a:solidFill>
+                  <a:schemeClr val="tx2">
+                    <a:lumMod val="75000"/>
+                  </a:schemeClr>
+                </a:solidFill>
+                <a:latin typeface="+mj-ea"/>
+                <a:ea typeface="+mj-ea"/>
+              </a:rPr>
+              <a:t>금액</a:t>
+            </a:r>
+            <a:endParaRPr lang="en-US" altLang="ko-KR" sz="2000" spc="-60" dirty="0">
+              <a:ln>
+                <a:solidFill>
+                  <a:prstClr val="white">
+                    <a:alpha val="0"/>
+                  </a:prstClr>
+                </a:solidFill>
+              </a:ln>
+              <a:solidFill>
+                <a:schemeClr val="tx2">
+                  <a:lumMod val="75000"/>
+                </a:schemeClr>
+              </a:solidFill>
+              <a:latin typeface="+mj-ea"/>
+              <a:ea typeface="+mj-ea"/>
+            </a:endParaRPr>
+          </a:p>
+          <a:p>
+            <a:pPr marL="457200" lvl="1" indent="0">
+              <a:spcBef>
+                <a:spcPts val="1000"/>
+              </a:spcBef>
+              <a:buNone/>
+            </a:pPr>
+            <a:endParaRPr lang="en-US" altLang="ko-KR" spc="-60" dirty="0">
+              <a:ln>
+                <a:solidFill>
+                  <a:prstClr val="white">
+                    <a:alpha val="0"/>
+                  </a:prstClr>
+                </a:solidFill>
+              </a:ln>
+              <a:solidFill>
+                <a:schemeClr val="tx2">
+                  <a:lumMod val="75000"/>
+                </a:schemeClr>
+              </a:solidFill>
+              <a:latin typeface="+mj-ea"/>
+              <a:ea typeface="+mj-ea"/>
+            </a:endParaRPr>
+          </a:p>
+        </p:txBody>
+      </p:sp>
+      <p:pic>
+        <p:nvPicPr>
+          <p:cNvPr id="4" name="그림 3"/>
+          <p:cNvPicPr>
+            <a:picLocks noChangeAspect="1"/>
+          </p:cNvPicPr>
+          <p:nvPr/>
+        </p:nvPicPr>
+        <p:blipFill>
+          <a:blip r:embed="rId2"/>
+          <a:stretch>
+            <a:fillRect/>
+          </a:stretch>
+        </p:blipFill>
+        <p:spPr>
+          <a:xfrm>
+            <a:off x="4073547" y="4252495"/>
+            <a:ext cx="3286711" cy="2275415"/>
+          </a:xfrm>
+          <a:prstGeom prst="rect">
+            <a:avLst/>
+          </a:prstGeom>
+        </p:spPr>
+      </p:pic>
+      <p:pic>
+        <p:nvPicPr>
+          <p:cNvPr id="8" name="그림 7"/>
+          <p:cNvPicPr>
+            <a:picLocks noChangeAspect="1"/>
+          </p:cNvPicPr>
+          <p:nvPr/>
+        </p:nvPicPr>
+        <p:blipFill>
+          <a:blip r:embed="rId3"/>
+          <a:stretch>
+            <a:fillRect/>
+          </a:stretch>
+        </p:blipFill>
+        <p:spPr>
+          <a:xfrm>
+            <a:off x="771424" y="4281948"/>
+            <a:ext cx="3138175" cy="2286732"/>
+          </a:xfrm>
+          <a:prstGeom prst="rect">
+            <a:avLst/>
+          </a:prstGeom>
+        </p:spPr>
+      </p:pic>
+    </p:spTree>
+    <p:extLst>
+      <p:ext uri="{BB962C8B-B14F-4D97-AF65-F5344CB8AC3E}">
+        <p14:creationId xmlns:p14="http://schemas.microsoft.com/office/powerpoint/2010/main" val="763941493"/>
+      </p:ext>
+    </p:extLst>
+  </p:cSld>
+  <p:clrMapOvr>
+    <a:masterClrMapping/>
+  </p:clrMapOvr>
+</p:sld>
+</file>
+
+<file path=ppt/slides/slide17.xml><?xml version="1.0" encoding="utf-8"?>
+<p:sld xmlns:a="http://schemas.openxmlformats.org/drawingml/2006/main" xmlns:r="http://schemas.openxmlformats.org/officeDocument/2006/relationships" xmlns:p="http://schemas.openxmlformats.org/presentationml/2006/main">
+  <p:cSld>
+    <p:spTree>
+      <p:nvGrpSpPr>
+        <p:cNvPr id="1" name=""/>
+        <p:cNvGrpSpPr/>
+        <p:nvPr/>
+      </p:nvGrpSpPr>
+      <p:grpSpPr>
+        <a:xfrm>
+          <a:off x="0" y="0"/>
+          <a:ext cx="0" cy="0"/>
+          <a:chOff x="0" y="0"/>
+          <a:chExt cx="0" cy="0"/>
+        </a:xfrm>
+      </p:grpSpPr>
+      <p:sp>
+        <p:nvSpPr>
+          <p:cNvPr id="35" name="제목 1"/>
+          <p:cNvSpPr txBox="1">
+            <a:spLocks/>
+          </p:cNvSpPr>
+          <p:nvPr/>
+        </p:nvSpPr>
+        <p:spPr>
+          <a:xfrm>
+            <a:off x="251520" y="243601"/>
+            <a:ext cx="8640960" cy="480131"/>
+          </a:xfrm>
+          <a:prstGeom prst="rect">
+            <a:avLst/>
+          </a:prstGeom>
+        </p:spPr>
+        <p:txBody>
+          <a:bodyPr vert="horz" wrap="square" lIns="91440" tIns="45720" rIns="91440" bIns="45720" rtlCol="0" anchor="ctr">
+            <a:spAutoFit/>
+          </a:bodyPr>
+          <a:lstStyle>
+            <a:lvl1pPr algn="l" defTabSz="914400" rtl="0" eaLnBrk="1" latinLnBrk="1" hangingPunct="1">
+              <a:lnSpc>
+                <a:spcPct val="90000"/>
+              </a:lnSpc>
+              <a:spcBef>
+                <a:spcPct val="0"/>
+              </a:spcBef>
+              <a:buNone/>
+              <a:defRPr sz="2800" b="0" kern="1200">
+                <a:solidFill>
+                  <a:schemeClr val="tx1"/>
+                </a:solidFill>
+                <a:effectLst/>
+                <a:latin typeface="-윤고딕320" panose="020B0600000101010101" charset="-127"/>
+                <a:ea typeface="-윤고딕320" panose="020B0600000101010101" charset="-127"/>
+                <a:cs typeface="+mj-cs"/>
+              </a:defRPr>
+            </a:lvl1pPr>
+          </a:lstStyle>
+          <a:p>
+            <a:r>
+              <a:rPr lang="en-US" altLang="ko-KR" dirty="0">
+                <a:latin typeface="+mn-ea"/>
+                <a:ea typeface="+mn-ea"/>
+              </a:rPr>
+              <a:t>3. </a:t>
+            </a:r>
+            <a:r>
+              <a:rPr lang="ko-KR" altLang="en-US" dirty="0">
+                <a:latin typeface="+mn-ea"/>
+                <a:ea typeface="+mn-ea"/>
+              </a:rPr>
+              <a:t>울산페이 데이터 분석 단계별 설명</a:t>
+            </a:r>
+          </a:p>
+        </p:txBody>
+      </p:sp>
+      <p:sp>
+        <p:nvSpPr>
+          <p:cNvPr id="3" name="사각형: 둥근 모서리 2">
+            <a:extLst>
+              <a:ext uri="{FF2B5EF4-FFF2-40B4-BE49-F238E27FC236}">
+                <a16:creationId xmlns:a16="http://schemas.microsoft.com/office/drawing/2014/main" id="{44B1FF70-C47F-4352-8698-63BF5E1453B2}"/>
+              </a:ext>
+            </a:extLst>
+          </p:cNvPr>
+          <p:cNvSpPr/>
+          <p:nvPr/>
+        </p:nvSpPr>
+        <p:spPr>
+          <a:xfrm>
+            <a:off x="544513" y="1144746"/>
+            <a:ext cx="5438276" cy="416160"/>
+          </a:xfrm>
+          <a:prstGeom prst="roundRect">
+            <a:avLst>
+              <a:gd name="adj" fmla="val 36422"/>
+            </a:avLst>
+          </a:prstGeom>
+        </p:spPr>
+        <p:style>
+          <a:lnRef idx="2">
+            <a:schemeClr val="accent1">
+              <a:shade val="50000"/>
+            </a:schemeClr>
+          </a:lnRef>
+          <a:fillRef idx="1">
+            <a:schemeClr val="accent1"/>
+          </a:fillRef>
+          <a:effectRef idx="0">
+            <a:schemeClr val="accent1"/>
+          </a:effectRef>
+          <a:fontRef idx="minor">
+            <a:schemeClr val="lt1"/>
+          </a:fontRef>
+        </p:style>
+        <p:txBody>
+          <a:bodyPr rtlCol="0" anchor="ctr"/>
+          <a:lstStyle/>
+          <a:p>
+            <a:pPr algn="ctr"/>
+            <a:r>
+              <a:rPr lang="en-US" altLang="ko-KR" sz="2000" b="1" dirty="0"/>
+              <a:t>(4</a:t>
+            </a:r>
+            <a:r>
+              <a:rPr lang="ko-KR" altLang="en-US" sz="2000" b="1" dirty="0"/>
+              <a:t>단계</a:t>
+            </a:r>
+            <a:r>
+              <a:rPr lang="en-US" altLang="ko-KR" sz="2000" b="1" dirty="0"/>
+              <a:t>) </a:t>
+            </a:r>
+            <a:r>
+              <a:rPr lang="ko-KR" altLang="en-US" sz="2000" b="1" dirty="0"/>
+              <a:t>데이터 분석 및 시각화</a:t>
+            </a:r>
+            <a:r>
+              <a:rPr lang="en-US" altLang="ko-KR" sz="2000" b="1" dirty="0"/>
+              <a:t>, </a:t>
+            </a:r>
+            <a:r>
+              <a:rPr lang="ko-KR" altLang="en-US" sz="2000" b="1" dirty="0"/>
+              <a:t>시사점</a:t>
+            </a:r>
+            <a:r>
+              <a:rPr lang="en-US" altLang="ko-KR" sz="2000" b="1" dirty="0"/>
+              <a:t>(1/6)</a:t>
+            </a:r>
+            <a:endParaRPr lang="ko-KR" altLang="en-US" sz="2000" b="1" dirty="0"/>
+          </a:p>
+        </p:txBody>
+      </p:sp>
+      <p:sp>
+        <p:nvSpPr>
+          <p:cNvPr id="2" name="사각형: 둥근 모서리 1">
+            <a:extLst>
+              <a:ext uri="{FF2B5EF4-FFF2-40B4-BE49-F238E27FC236}">
+                <a16:creationId xmlns:a16="http://schemas.microsoft.com/office/drawing/2014/main" id="{00D8EB94-8409-4E95-AB44-FABAFF0FE391}"/>
+              </a:ext>
+            </a:extLst>
+          </p:cNvPr>
+          <p:cNvSpPr/>
+          <p:nvPr/>
+        </p:nvSpPr>
+        <p:spPr>
+          <a:xfrm>
+            <a:off x="7524205" y="1638755"/>
+            <a:ext cx="1619795" cy="3790406"/>
+          </a:xfrm>
+          <a:prstGeom prst="roundRect">
+            <a:avLst>
+              <a:gd name="adj" fmla="val 5441"/>
+            </a:avLst>
+          </a:prstGeom>
+          <a:solidFill>
+            <a:schemeClr val="bg1">
+              <a:lumMod val="95000"/>
+            </a:schemeClr>
+          </a:solidFill>
+          <a:ln w="28575">
+            <a:noFill/>
+          </a:ln>
+        </p:spPr>
+        <p:style>
+          <a:lnRef idx="2">
+            <a:schemeClr val="accent1">
+              <a:shade val="50000"/>
+            </a:schemeClr>
+          </a:lnRef>
+          <a:fillRef idx="1">
+            <a:schemeClr val="accent1"/>
+          </a:fillRef>
+          <a:effectRef idx="0">
+            <a:schemeClr val="accent1"/>
+          </a:effectRef>
+          <a:fontRef idx="minor">
+            <a:schemeClr val="lt1"/>
+          </a:fontRef>
+        </p:style>
+        <p:txBody>
+          <a:bodyPr rtlCol="0" anchor="t"/>
+          <a:lstStyle/>
+          <a:p>
+            <a:pPr marL="171450" indent="-171450">
+              <a:buFont typeface="Arial" panose="020B0604020202020204" pitchFamily="34" charset="0"/>
+              <a:buChar char="•"/>
+            </a:pPr>
+            <a:endParaRPr lang="en-US" altLang="ko-KR" sz="1100" spc="-60" dirty="0">
+              <a:ln>
+                <a:solidFill>
+                  <a:prstClr val="white">
+                    <a:alpha val="0"/>
+                  </a:prstClr>
+                </a:solidFill>
+              </a:ln>
+              <a:solidFill>
+                <a:schemeClr val="tx2">
+                  <a:lumMod val="75000"/>
+                </a:schemeClr>
+              </a:solidFill>
+              <a:latin typeface="+mj-ea"/>
+              <a:ea typeface="+mj-ea"/>
+            </a:endParaRPr>
+          </a:p>
+          <a:p>
+            <a:pPr marL="171450" indent="-171450">
+              <a:buFont typeface="Arial" panose="020B0604020202020204" pitchFamily="34" charset="0"/>
+              <a:buChar char="•"/>
+            </a:pPr>
+            <a:r>
+              <a:rPr lang="en-US" altLang="ko-KR" sz="1100" spc="-60" dirty="0">
+                <a:ln>
+                  <a:solidFill>
+                    <a:prstClr val="white">
+                      <a:alpha val="0"/>
+                    </a:prstClr>
+                  </a:solidFill>
+                </a:ln>
+                <a:solidFill>
+                  <a:schemeClr val="tx2">
+                    <a:lumMod val="75000"/>
+                  </a:schemeClr>
+                </a:solidFill>
+                <a:latin typeface="+mj-ea"/>
+                <a:ea typeface="+mj-ea"/>
+              </a:rPr>
+              <a:t>filter</a:t>
+            </a:r>
+            <a:r>
+              <a:rPr lang="ko-KR" altLang="en-US" sz="1100" spc="-60" dirty="0">
+                <a:ln>
+                  <a:solidFill>
+                    <a:prstClr val="white">
+                      <a:alpha val="0"/>
+                    </a:prstClr>
+                  </a:solidFill>
+                </a:ln>
+                <a:solidFill>
+                  <a:schemeClr val="tx2">
+                    <a:lumMod val="75000"/>
+                  </a:schemeClr>
+                </a:solidFill>
+                <a:latin typeface="+mj-ea"/>
+                <a:ea typeface="+mj-ea"/>
+              </a:rPr>
+              <a:t> 활용하여 </a:t>
+            </a:r>
+            <a:r>
+              <a:rPr lang="en-US" altLang="ko-KR" sz="1100" spc="-60" dirty="0">
+                <a:ln>
+                  <a:solidFill>
+                    <a:prstClr val="white">
+                      <a:alpha val="0"/>
+                    </a:prstClr>
+                  </a:solidFill>
+                </a:ln>
+                <a:solidFill>
+                  <a:schemeClr val="tx2">
+                    <a:lumMod val="75000"/>
+                  </a:schemeClr>
+                </a:solidFill>
+                <a:latin typeface="+mj-ea"/>
+                <a:ea typeface="+mj-ea"/>
+              </a:rPr>
+              <a:t>‘</a:t>
+            </a:r>
+            <a:r>
+              <a:rPr lang="ko-KR" altLang="en-US" sz="1100" spc="-60" dirty="0">
+                <a:ln>
+                  <a:solidFill>
+                    <a:prstClr val="white">
+                      <a:alpha val="0"/>
+                    </a:prstClr>
+                  </a:solidFill>
+                </a:ln>
+                <a:solidFill>
+                  <a:schemeClr val="tx2">
+                    <a:lumMod val="75000"/>
+                  </a:schemeClr>
+                </a:solidFill>
+                <a:latin typeface="+mj-ea"/>
+                <a:ea typeface="+mj-ea"/>
+              </a:rPr>
+              <a:t>카테고리</a:t>
+            </a:r>
+            <a:r>
+              <a:rPr lang="en-US" altLang="ko-KR" sz="1100" spc="-60" dirty="0">
+                <a:ln>
+                  <a:solidFill>
+                    <a:prstClr val="white">
+                      <a:alpha val="0"/>
+                    </a:prstClr>
+                  </a:solidFill>
+                </a:ln>
+                <a:solidFill>
+                  <a:schemeClr val="tx2">
+                    <a:lumMod val="75000"/>
+                  </a:schemeClr>
+                </a:solidFill>
+                <a:latin typeface="+mj-ea"/>
+                <a:ea typeface="+mj-ea"/>
+              </a:rPr>
+              <a:t>’, ‘</a:t>
+            </a:r>
+            <a:r>
+              <a:rPr lang="ko-KR" altLang="en-US" sz="1100" spc="-60" dirty="0">
+                <a:ln>
+                  <a:solidFill>
+                    <a:prstClr val="white">
+                      <a:alpha val="0"/>
+                    </a:prstClr>
+                  </a:solidFill>
+                </a:ln>
+                <a:solidFill>
+                  <a:schemeClr val="tx2">
+                    <a:lumMod val="75000"/>
+                  </a:schemeClr>
+                </a:solidFill>
+                <a:latin typeface="+mj-ea"/>
+                <a:ea typeface="+mj-ea"/>
+              </a:rPr>
+              <a:t>거래금액</a:t>
+            </a:r>
+            <a:r>
+              <a:rPr lang="en-US" altLang="ko-KR" sz="1100" spc="-60" dirty="0">
+                <a:ln>
+                  <a:solidFill>
+                    <a:prstClr val="white">
+                      <a:alpha val="0"/>
+                    </a:prstClr>
+                  </a:solidFill>
+                </a:ln>
+                <a:solidFill>
+                  <a:schemeClr val="tx2">
+                    <a:lumMod val="75000"/>
+                  </a:schemeClr>
+                </a:solidFill>
+                <a:latin typeface="+mj-ea"/>
+                <a:ea typeface="+mj-ea"/>
+              </a:rPr>
+              <a:t>‘ </a:t>
+            </a:r>
+            <a:r>
+              <a:rPr lang="ko-KR" altLang="en-US" sz="1100" spc="-60" dirty="0">
+                <a:ln>
+                  <a:solidFill>
+                    <a:prstClr val="white">
+                      <a:alpha val="0"/>
+                    </a:prstClr>
+                  </a:solidFill>
+                </a:ln>
+                <a:solidFill>
+                  <a:schemeClr val="tx2">
+                    <a:lumMod val="75000"/>
+                  </a:schemeClr>
+                </a:solidFill>
+                <a:latin typeface="+mj-ea"/>
+                <a:ea typeface="+mj-ea"/>
+              </a:rPr>
+              <a:t> 항목만 필터링</a:t>
+            </a:r>
+            <a:endParaRPr lang="en-US" altLang="ko-KR" sz="1100" spc="-60" dirty="0">
+              <a:ln>
+                <a:solidFill>
+                  <a:prstClr val="white">
+                    <a:alpha val="0"/>
+                  </a:prstClr>
+                </a:solidFill>
+              </a:ln>
+              <a:solidFill>
+                <a:schemeClr val="tx2">
+                  <a:lumMod val="75000"/>
+                </a:schemeClr>
+              </a:solidFill>
+              <a:latin typeface="+mj-ea"/>
+              <a:ea typeface="+mj-ea"/>
+            </a:endParaRPr>
+          </a:p>
+          <a:p>
+            <a:pPr marL="171450" indent="-171450">
+              <a:buFont typeface="Arial" panose="020B0604020202020204" pitchFamily="34" charset="0"/>
+              <a:buChar char="•"/>
+            </a:pPr>
+            <a:endParaRPr lang="en-US" altLang="ko-KR" sz="1100" spc="-60" dirty="0">
+              <a:ln>
+                <a:solidFill>
+                  <a:prstClr val="white">
+                    <a:alpha val="0"/>
+                  </a:prstClr>
+                </a:solidFill>
+              </a:ln>
+              <a:solidFill>
+                <a:schemeClr val="tx2">
+                  <a:lumMod val="75000"/>
+                </a:schemeClr>
+              </a:solidFill>
+              <a:latin typeface="+mj-ea"/>
+              <a:ea typeface="+mj-ea"/>
+            </a:endParaRPr>
+          </a:p>
+          <a:p>
+            <a:pPr marL="171450" indent="-171450">
+              <a:buFont typeface="Arial" panose="020B0604020202020204" pitchFamily="34" charset="0"/>
+              <a:buChar char="•"/>
+            </a:pPr>
+            <a:r>
+              <a:rPr lang="en-US" altLang="ko-KR" sz="1100" spc="-60" dirty="0" err="1">
+                <a:ln>
+                  <a:solidFill>
+                    <a:prstClr val="white">
+                      <a:alpha val="0"/>
+                    </a:prstClr>
+                  </a:solidFill>
+                </a:ln>
+                <a:solidFill>
+                  <a:schemeClr val="tx2">
+                    <a:lumMod val="75000"/>
+                  </a:schemeClr>
+                </a:solidFill>
+                <a:latin typeface="+mj-ea"/>
+                <a:ea typeface="+mj-ea"/>
+              </a:rPr>
+              <a:t>groupby</a:t>
+            </a:r>
+            <a:r>
+              <a:rPr lang="ko-KR" altLang="en-US" sz="1100" spc="-60" dirty="0">
+                <a:ln>
+                  <a:solidFill>
+                    <a:prstClr val="white">
+                      <a:alpha val="0"/>
+                    </a:prstClr>
+                  </a:solidFill>
+                </a:ln>
+                <a:solidFill>
+                  <a:schemeClr val="tx2">
+                    <a:lumMod val="75000"/>
+                  </a:schemeClr>
+                </a:solidFill>
+                <a:latin typeface="+mj-ea"/>
+                <a:ea typeface="+mj-ea"/>
+              </a:rPr>
+              <a:t> 활용하여 카테고리별 거래금액 합계 구함</a:t>
+            </a:r>
+            <a:endParaRPr lang="en-US" altLang="ko-KR" sz="1100" spc="-60" dirty="0">
+              <a:ln>
+                <a:solidFill>
+                  <a:prstClr val="white">
+                    <a:alpha val="0"/>
+                  </a:prstClr>
+                </a:solidFill>
+              </a:ln>
+              <a:solidFill>
+                <a:schemeClr val="tx2">
+                  <a:lumMod val="75000"/>
+                </a:schemeClr>
+              </a:solidFill>
+              <a:latin typeface="+mj-ea"/>
+              <a:ea typeface="+mj-ea"/>
+            </a:endParaRPr>
+          </a:p>
+          <a:p>
+            <a:pPr marL="171450" indent="-171450">
+              <a:buFont typeface="Arial" panose="020B0604020202020204" pitchFamily="34" charset="0"/>
+              <a:buChar char="•"/>
+            </a:pPr>
+            <a:endParaRPr lang="en-US" altLang="ko-KR" sz="1100" spc="-60" dirty="0">
+              <a:ln>
+                <a:solidFill>
+                  <a:prstClr val="white">
+                    <a:alpha val="0"/>
+                  </a:prstClr>
+                </a:solidFill>
+              </a:ln>
+              <a:solidFill>
+                <a:schemeClr val="tx2">
+                  <a:lumMod val="75000"/>
+                </a:schemeClr>
+              </a:solidFill>
+              <a:latin typeface="+mj-ea"/>
+              <a:ea typeface="+mj-ea"/>
+            </a:endParaRPr>
+          </a:p>
+          <a:p>
+            <a:pPr marL="171450" indent="-171450">
+              <a:buFont typeface="Arial" panose="020B0604020202020204" pitchFamily="34" charset="0"/>
+              <a:buChar char="•"/>
+            </a:pPr>
+            <a:r>
+              <a:rPr lang="en-US" altLang="ko-KR" sz="1100" spc="-60" dirty="0" err="1">
+                <a:ln>
+                  <a:solidFill>
+                    <a:prstClr val="white">
+                      <a:alpha val="0"/>
+                    </a:prstClr>
+                  </a:solidFill>
+                </a:ln>
+                <a:solidFill>
+                  <a:schemeClr val="tx2">
+                    <a:lumMod val="75000"/>
+                  </a:schemeClr>
+                </a:solidFill>
+                <a:latin typeface="+mj-ea"/>
+                <a:ea typeface="+mj-ea"/>
+              </a:rPr>
+              <a:t>sort_values</a:t>
+            </a:r>
+            <a:r>
+              <a:rPr lang="en-US" altLang="ko-KR" sz="1100" spc="-60" dirty="0">
+                <a:ln>
+                  <a:solidFill>
+                    <a:prstClr val="white">
+                      <a:alpha val="0"/>
+                    </a:prstClr>
+                  </a:solidFill>
+                </a:ln>
+                <a:solidFill>
+                  <a:schemeClr val="tx2">
+                    <a:lumMod val="75000"/>
+                  </a:schemeClr>
+                </a:solidFill>
+                <a:latin typeface="+mj-ea"/>
+                <a:ea typeface="+mj-ea"/>
+              </a:rPr>
+              <a:t> </a:t>
+            </a:r>
+            <a:r>
+              <a:rPr lang="ko-KR" altLang="en-US" sz="1100" spc="-60" dirty="0">
+                <a:ln>
+                  <a:solidFill>
+                    <a:prstClr val="white">
+                      <a:alpha val="0"/>
+                    </a:prstClr>
+                  </a:solidFill>
+                </a:ln>
+                <a:solidFill>
+                  <a:schemeClr val="tx2">
+                    <a:lumMod val="75000"/>
+                  </a:schemeClr>
+                </a:solidFill>
+                <a:latin typeface="+mj-ea"/>
+                <a:ea typeface="+mj-ea"/>
+              </a:rPr>
+              <a:t>함수로 내림차순 정렬</a:t>
+            </a:r>
+            <a:endParaRPr lang="en-US" altLang="ko-KR" sz="1100" spc="-60" dirty="0">
+              <a:ln>
+                <a:solidFill>
+                  <a:prstClr val="white">
+                    <a:alpha val="0"/>
+                  </a:prstClr>
+                </a:solidFill>
+              </a:ln>
+              <a:solidFill>
+                <a:schemeClr val="tx2">
+                  <a:lumMod val="75000"/>
+                </a:schemeClr>
+              </a:solidFill>
+              <a:latin typeface="+mj-ea"/>
+              <a:ea typeface="+mj-ea"/>
+            </a:endParaRPr>
+          </a:p>
+          <a:p>
+            <a:pPr marL="171450" indent="-171450">
+              <a:buFont typeface="Arial" panose="020B0604020202020204" pitchFamily="34" charset="0"/>
+              <a:buChar char="•"/>
+            </a:pPr>
+            <a:endParaRPr lang="en-US" altLang="ko-KR" sz="1100" spc="-60" dirty="0">
+              <a:ln>
+                <a:solidFill>
+                  <a:prstClr val="white">
+                    <a:alpha val="0"/>
+                  </a:prstClr>
+                </a:solidFill>
+              </a:ln>
+              <a:solidFill>
+                <a:schemeClr val="tx2">
+                  <a:lumMod val="75000"/>
+                </a:schemeClr>
+              </a:solidFill>
+              <a:latin typeface="+mj-ea"/>
+              <a:ea typeface="+mj-ea"/>
+            </a:endParaRPr>
+          </a:p>
+          <a:p>
+            <a:pPr marL="171450" indent="-171450">
+              <a:buFont typeface="Arial" panose="020B0604020202020204" pitchFamily="34" charset="0"/>
+              <a:buChar char="•"/>
+            </a:pPr>
+            <a:r>
+              <a:rPr lang="en-US" altLang="ko-KR" sz="1100" spc="-60" dirty="0">
+                <a:ln>
+                  <a:solidFill>
+                    <a:prstClr val="white">
+                      <a:alpha val="0"/>
+                    </a:prstClr>
+                  </a:solidFill>
+                </a:ln>
+                <a:solidFill>
+                  <a:schemeClr val="tx2">
+                    <a:lumMod val="75000"/>
+                  </a:schemeClr>
+                </a:solidFill>
+                <a:latin typeface="+mj-ea"/>
+                <a:ea typeface="+mj-ea"/>
+              </a:rPr>
+              <a:t>bar </a:t>
+            </a:r>
+            <a:r>
+              <a:rPr lang="ko-KR" altLang="en-US" sz="1100" spc="-60" dirty="0">
+                <a:ln>
+                  <a:solidFill>
+                    <a:prstClr val="white">
+                      <a:alpha val="0"/>
+                    </a:prstClr>
+                  </a:solidFill>
+                </a:ln>
+                <a:solidFill>
+                  <a:schemeClr val="tx2">
+                    <a:lumMod val="75000"/>
+                  </a:schemeClr>
+                </a:solidFill>
+                <a:latin typeface="+mj-ea"/>
+                <a:ea typeface="+mj-ea"/>
+              </a:rPr>
+              <a:t>차트 그리기</a:t>
+            </a:r>
+            <a:endParaRPr lang="en-US" altLang="ko-KR" sz="1100" spc="-60" dirty="0">
+              <a:ln>
+                <a:solidFill>
+                  <a:prstClr val="white">
+                    <a:alpha val="0"/>
+                  </a:prstClr>
+                </a:solidFill>
+              </a:ln>
+              <a:solidFill>
+                <a:schemeClr val="tx2">
+                  <a:lumMod val="75000"/>
+                </a:schemeClr>
+              </a:solidFill>
+              <a:latin typeface="+mj-ea"/>
+              <a:ea typeface="+mj-ea"/>
+            </a:endParaRPr>
+          </a:p>
+        </p:txBody>
+      </p:sp>
+      <p:sp>
+        <p:nvSpPr>
+          <p:cNvPr id="31" name="TextBox 30">
+            <a:extLst>
+              <a:ext uri="{FF2B5EF4-FFF2-40B4-BE49-F238E27FC236}">
+                <a16:creationId xmlns:a16="http://schemas.microsoft.com/office/drawing/2014/main" id="{AA4E3547-C3C5-49D0-B6EF-7AFF7B718EFA}"/>
+              </a:ext>
+            </a:extLst>
+          </p:cNvPr>
+          <p:cNvSpPr txBox="1"/>
+          <p:nvPr/>
+        </p:nvSpPr>
+        <p:spPr>
+          <a:xfrm>
+            <a:off x="7445829" y="1269423"/>
+            <a:ext cx="1160895" cy="369332"/>
+          </a:xfrm>
+          <a:prstGeom prst="rect">
+            <a:avLst/>
+          </a:prstGeom>
+          <a:noFill/>
+        </p:spPr>
+        <p:txBody>
+          <a:bodyPr wrap="none" rtlCol="0">
+            <a:spAutoFit/>
+          </a:bodyPr>
+          <a:lstStyle/>
+          <a:p>
+            <a:r>
+              <a:rPr lang="ko-KR" altLang="en-US" b="1" dirty="0"/>
+              <a:t>분석 과정</a:t>
+            </a:r>
+          </a:p>
+        </p:txBody>
+      </p:sp>
+      <p:sp>
+        <p:nvSpPr>
+          <p:cNvPr id="9" name="직사각형 8">
+            <a:extLst>
+              <a:ext uri="{FF2B5EF4-FFF2-40B4-BE49-F238E27FC236}">
+                <a16:creationId xmlns:a16="http://schemas.microsoft.com/office/drawing/2014/main" id="{5B25AD86-019F-4C45-B8F8-5A59E9B071FC}"/>
+              </a:ext>
+            </a:extLst>
+          </p:cNvPr>
+          <p:cNvSpPr/>
+          <p:nvPr/>
+        </p:nvSpPr>
+        <p:spPr>
+          <a:xfrm>
+            <a:off x="0" y="0"/>
+            <a:ext cx="9144000" cy="913118"/>
+          </a:xfrm>
+          <a:prstGeom prst="rect">
+            <a:avLst/>
+          </a:prstGeom>
+          <a:solidFill>
+            <a:srgbClr val="FFFF00">
+              <a:alpha val="70000"/>
+            </a:srgbClr>
+          </a:solidFill>
+          <a:ln>
+            <a:noFill/>
+          </a:ln>
+        </p:spPr>
+        <p:style>
+          <a:lnRef idx="2">
+            <a:schemeClr val="accent1">
+              <a:shade val="50000"/>
+            </a:schemeClr>
+          </a:lnRef>
+          <a:fillRef idx="1">
+            <a:schemeClr val="accent1"/>
+          </a:fillRef>
+          <a:effectRef idx="0">
+            <a:schemeClr val="accent1"/>
+          </a:effectRef>
+          <a:fontRef idx="minor">
+            <a:schemeClr val="lt1"/>
+          </a:fontRef>
+        </p:style>
+        <p:txBody>
+          <a:bodyPr rtlCol="0" anchor="ctr"/>
+          <a:lstStyle/>
+          <a:p>
+            <a:pPr algn="ctr"/>
+            <a:r>
+              <a:rPr lang="en-US" altLang="ko-KR" sz="3600" dirty="0">
+                <a:solidFill>
+                  <a:srgbClr val="FF0000"/>
+                </a:solidFill>
+              </a:rPr>
+              <a:t>&lt;</a:t>
+            </a:r>
+            <a:r>
+              <a:rPr lang="ko-KR" altLang="en-US" sz="3600" dirty="0">
+                <a:solidFill>
+                  <a:srgbClr val="FF0000"/>
+                </a:solidFill>
+              </a:rPr>
               <a:t>카테고리 기준</a:t>
             </a:r>
             <a:r>
@@ -10641,7 +14562,7 @@
 </p:sld>
 </file>
 
-<file path=ppt/slides/slide16.xml><?xml version="1.0" encoding="utf-8"?>
+<file path=ppt/slides/slide18.xml><?xml version="1.0" encoding="utf-8"?>
 <p:sld xmlns:a="http://schemas.openxmlformats.org/drawingml/2006/main" xmlns:r="http://schemas.openxmlformats.org/officeDocument/2006/relationships" xmlns:p="http://schemas.openxmlformats.org/presentationml/2006/main">
   <p:cSld>
     <p:spTree>
@@ -14251,7 +18172,7 @@
 </p:sld>
 </file>
 
-<file path=ppt/slides/slide17.xml><?xml version="1.0" encoding="utf-8"?>
+<file path=ppt/slides/slide19.xml><?xml version="1.0" encoding="utf-8"?>
 <p:sld xmlns:a="http://schemas.openxmlformats.org/drawingml/2006/main" xmlns:r="http://schemas.openxmlformats.org/officeDocument/2006/relationships" xmlns:p="http://schemas.openxmlformats.org/presentationml/2006/main">
   <p:cSld>
     <p:spTree>
@@ -17371,7 +21292,279 @@
 </p:sld>
 </file>
 
-<file path=ppt/slides/slide18.xml><?xml version="1.0" encoding="utf-8"?>
+<file path=ppt/slides/slide2.xml><?xml version="1.0" encoding="utf-8"?>
+<p:sld xmlns:a="http://schemas.openxmlformats.org/drawingml/2006/main" xmlns:r="http://schemas.openxmlformats.org/officeDocument/2006/relationships" xmlns:p="http://schemas.openxmlformats.org/presentationml/2006/main">
+  <p:cSld>
+    <p:spTree>
+      <p:nvGrpSpPr>
+        <p:cNvPr id="1" name=""/>
+        <p:cNvGrpSpPr/>
+        <p:nvPr/>
+      </p:nvGrpSpPr>
+      <p:grpSpPr>
+        <a:xfrm>
+          <a:off x="0" y="0"/>
+          <a:ext cx="0" cy="0"/>
+          <a:chOff x="0" y="0"/>
+          <a:chExt cx="0" cy="0"/>
+        </a:xfrm>
+      </p:grpSpPr>
+      <p:sp>
+        <p:nvSpPr>
+          <p:cNvPr id="35" name="제목 1"/>
+          <p:cNvSpPr txBox="1"/>
+          <p:nvPr/>
+        </p:nvSpPr>
+        <p:spPr>
+          <a:xfrm>
+            <a:off x="251520" y="249555"/>
+            <a:ext cx="8640960" cy="474177"/>
+          </a:xfrm>
+          <a:prstGeom prst="rect">
+            <a:avLst/>
+          </a:prstGeom>
+        </p:spPr>
+        <p:txBody>
+          <a:bodyPr vert="horz" wrap="square" lIns="91440" tIns="45720" rIns="91440" bIns="45720" anchor="ctr">
+            <a:spAutoFit/>
+          </a:bodyPr>
+          <a:lstStyle>
+            <a:lvl1pPr algn="l" defTabSz="914400" rtl="0" eaLnBrk="1" latinLnBrk="1" hangingPunct="1">
+              <a:lnSpc>
+                <a:spcPct val="90000"/>
+              </a:lnSpc>
+              <a:spcBef>
+                <a:spcPct val="0"/>
+              </a:spcBef>
+              <a:buNone/>
+              <a:defRPr sz="2800" b="0" kern="1200">
+                <a:solidFill>
+                  <a:schemeClr val="tx1"/>
+                </a:solidFill>
+                <a:effectLst/>
+                <a:latin typeface="-윤고딕320"/>
+                <a:ea typeface="-윤고딕320"/>
+                <a:cs typeface="+mj-cs"/>
+              </a:defRPr>
+            </a:lvl1pPr>
+          </a:lstStyle>
+          <a:p>
+            <a:pPr lvl="0">
+              <a:defRPr/>
+            </a:pPr>
+            <a:r>
+              <a:rPr lang="en-US" altLang="ko-KR">
+                <a:latin typeface="+mn-ea"/>
+                <a:ea typeface="+mn-ea"/>
+              </a:rPr>
+              <a:t>1. </a:t>
+            </a:r>
+            <a:r>
+              <a:rPr lang="ko-KR" altLang="en-US">
+                <a:latin typeface="+mn-ea"/>
+                <a:ea typeface="+mn-ea"/>
+              </a:rPr>
+              <a:t>울산페이 데이터 분석 개요</a:t>
+            </a:r>
+          </a:p>
+        </p:txBody>
+      </p:sp>
+      <p:sp>
+        <p:nvSpPr>
+          <p:cNvPr id="6" name="텍스트 개체 틀 10"/>
+          <p:cNvSpPr>
+            <a:spLocks noGrp="1"/>
+          </p:cNvSpPr>
+          <p:nvPr>
+            <p:ph type="body" sz="quarter" idx="13"/>
+          </p:nvPr>
+        </p:nvSpPr>
+        <p:spPr>
+          <a:xfrm>
+            <a:off x="544513" y="1668463"/>
+            <a:ext cx="7970837" cy="4249737"/>
+          </a:xfrm>
+        </p:spPr>
+        <p:txBody>
+          <a:bodyPr/>
+          <a:lstStyle/>
+          <a:p>
+            <a:pPr marL="177800" indent="-177800">
+              <a:defRPr/>
+            </a:pPr>
+            <a:r>
+              <a:rPr lang="ko-KR" altLang="en-US" dirty="0">
+                <a:latin typeface="+mn-ea"/>
+              </a:rPr>
+              <a:t>울산페이를 사용함으로써 지역경제의 활성화를 도모하고 울산 지역 소상공인들에게 소득공제 혜택을 줄 수 있다</a:t>
+            </a:r>
+            <a:r>
+              <a:rPr lang="en-US" altLang="ko-KR" dirty="0">
+                <a:latin typeface="+mn-ea"/>
+              </a:rPr>
+              <a:t>.</a:t>
+            </a:r>
+            <a:r>
+              <a:rPr lang="ko-KR" altLang="en-US" dirty="0">
+                <a:latin typeface="+mn-ea"/>
+              </a:rPr>
+              <a:t> 따라서 많이 사용되는 업종분야 및 여러 항목을 분석함으로써 울산페이의 활성화 및 개선 방향에</a:t>
+            </a:r>
+            <a:r>
+              <a:rPr lang="en-US" altLang="ko-KR" dirty="0">
+                <a:latin typeface="+mn-ea"/>
+              </a:rPr>
+              <a:t> </a:t>
+            </a:r>
+            <a:r>
+              <a:rPr lang="ko-KR" altLang="en-US" dirty="0">
+                <a:latin typeface="+mn-ea"/>
+              </a:rPr>
+              <a:t>대해 제시할 수 있다</a:t>
+            </a:r>
+            <a:r>
+              <a:rPr lang="en-US" altLang="ko-KR" dirty="0">
+                <a:latin typeface="+mn-ea"/>
+              </a:rPr>
+              <a:t>.</a:t>
+            </a:r>
+          </a:p>
+          <a:p>
+            <a:pPr marL="0" indent="0">
+              <a:buNone/>
+              <a:defRPr/>
+            </a:pPr>
+            <a:endParaRPr lang="en-US" altLang="ko-KR" dirty="0">
+              <a:latin typeface="+mn-ea"/>
+            </a:endParaRPr>
+          </a:p>
+          <a:p>
+            <a:pPr marL="177800" indent="-177800">
+              <a:defRPr/>
+            </a:pPr>
+            <a:r>
+              <a:rPr lang="ko-KR" altLang="en-US" dirty="0">
+                <a:latin typeface="+mn-ea"/>
+              </a:rPr>
+              <a:t>울산페이 사용 현황 분석을 통하여 데이터 기반 소비 패턴 분석 및 울산 시장 활성화 방안 수립</a:t>
+            </a:r>
+            <a:endParaRPr lang="en-US" altLang="ko-KR" dirty="0">
+              <a:latin typeface="+mn-ea"/>
+            </a:endParaRPr>
+          </a:p>
+        </p:txBody>
+      </p:sp>
+      <p:sp>
+        <p:nvSpPr>
+          <p:cNvPr id="7" name="사각형: 둥근 모서리 6"/>
+          <p:cNvSpPr/>
+          <p:nvPr/>
+        </p:nvSpPr>
+        <p:spPr>
+          <a:xfrm>
+            <a:off x="544513" y="1144746"/>
+            <a:ext cx="2819921" cy="416160"/>
+          </a:xfrm>
+          <a:prstGeom prst="roundRect">
+            <a:avLst>
+              <a:gd name="adj" fmla="val 36422"/>
+            </a:avLst>
+          </a:prstGeom>
+        </p:spPr>
+        <p:style>
+          <a:lnRef idx="2">
+            <a:schemeClr val="accent1">
+              <a:shade val="50000"/>
+            </a:schemeClr>
+          </a:lnRef>
+          <a:fillRef idx="1">
+            <a:schemeClr val="accent1"/>
+          </a:fillRef>
+          <a:effectRef idx="0">
+            <a:schemeClr val="accent1"/>
+          </a:effectRef>
+          <a:fontRef idx="minor">
+            <a:schemeClr val="lt1"/>
+          </a:fontRef>
+        </p:style>
+        <p:txBody>
+          <a:bodyPr anchor="ctr"/>
+          <a:lstStyle/>
+          <a:p>
+            <a:pPr algn="ctr">
+              <a:defRPr/>
+            </a:pPr>
+            <a:r>
+              <a:rPr lang="ko-KR" altLang="en-US" sz="2000" b="1"/>
+              <a:t>분석 배경</a:t>
+            </a:r>
+          </a:p>
+        </p:txBody>
+      </p:sp>
+      <p:sp>
+        <p:nvSpPr>
+          <p:cNvPr id="9" name="사각형: 둥근 모서리 8"/>
+          <p:cNvSpPr/>
+          <p:nvPr/>
+        </p:nvSpPr>
+        <p:spPr>
+          <a:xfrm>
+            <a:off x="544512" y="2874360"/>
+            <a:ext cx="2819921" cy="416160"/>
+          </a:xfrm>
+          <a:prstGeom prst="roundRect">
+            <a:avLst>
+              <a:gd name="adj" fmla="val 36422"/>
+            </a:avLst>
+          </a:prstGeom>
+        </p:spPr>
+        <p:style>
+          <a:lnRef idx="2">
+            <a:schemeClr val="accent1">
+              <a:shade val="50000"/>
+            </a:schemeClr>
+          </a:lnRef>
+          <a:fillRef idx="1">
+            <a:schemeClr val="accent1"/>
+          </a:fillRef>
+          <a:effectRef idx="0">
+            <a:schemeClr val="accent1"/>
+          </a:effectRef>
+          <a:fontRef idx="minor">
+            <a:schemeClr val="lt1"/>
+          </a:fontRef>
+        </p:style>
+        <p:txBody>
+          <a:bodyPr anchor="ctr"/>
+          <a:lstStyle/>
+          <a:p>
+            <a:pPr algn="ctr">
+              <a:defRPr/>
+            </a:pPr>
+            <a:r>
+              <a:rPr lang="ko-KR" altLang="en-US" sz="2000" b="1"/>
+              <a:t>분석 목적</a:t>
+            </a:r>
+          </a:p>
+        </p:txBody>
+      </p:sp>
+    </p:spTree>
+  </p:cSld>
+  <p:clrMapOvr>
+    <a:masterClrMapping/>
+  </p:clrMapOvr>
+  <mc:AlternateContent xmlns:mc="http://schemas.openxmlformats.org/markup-compatibility/2006" xmlns:p14="http://schemas.microsoft.com/office/powerpoint/2010/main">
+    <mc:Choice Requires="p14">
+      <p:transition/>
+    </mc:Choice>
+    <mc:Fallback xmlns="" xmlns:c="http://schemas.openxmlformats.org/drawingml/2006/chart" xmlns:dgm="http://schemas.openxmlformats.org/drawingml/2006/diagram" xmlns:dsp="http://schemas.microsoft.com/office/drawing/2008/diagram">
+      <p:transition/>
+    </mc:Fallback>
+  </mc:AlternateContent>
+</p:sld>
+</file>
+
+<file path=ppt/slides/slide20.xml><?xml version="1.0" encoding="utf-8"?>
 <p:sld xmlns:a="http://schemas.openxmlformats.org/drawingml/2006/main" xmlns:r="http://schemas.openxmlformats.org/officeDocument/2006/relationships" xmlns:p="http://schemas.openxmlformats.org/presentationml/2006/main">
   <p:cSld>
     <p:spTree>
@@ -18734,7 +22927,7 @@
 </p:sld>
 </file>
 
-<file path=ppt/slides/slide19.xml><?xml version="1.0" encoding="utf-8"?>
+<file path=ppt/slides/slide21.xml><?xml version="1.0" encoding="utf-8"?>
 <p:sld xmlns:a="http://schemas.openxmlformats.org/drawingml/2006/main" xmlns:r="http://schemas.openxmlformats.org/officeDocument/2006/relationships" xmlns:p="http://schemas.openxmlformats.org/presentationml/2006/main">
   <p:cSld>
     <p:spTree>
@@ -20140,279 +24333,7 @@
 </p:sld>
 </file>
 
-<file path=ppt/slides/slide2.xml><?xml version="1.0" encoding="utf-8"?>
-<p:sld xmlns:a="http://schemas.openxmlformats.org/drawingml/2006/main" xmlns:r="http://schemas.openxmlformats.org/officeDocument/2006/relationships" xmlns:p="http://schemas.openxmlformats.org/presentationml/2006/main">
-  <p:cSld>
-    <p:spTree>
-      <p:nvGrpSpPr>
-        <p:cNvPr id="1" name=""/>
-        <p:cNvGrpSpPr/>
-        <p:nvPr/>
-      </p:nvGrpSpPr>
-      <p:grpSpPr>
-        <a:xfrm>
-          <a:off x="0" y="0"/>
-          <a:ext cx="0" cy="0"/>
-          <a:chOff x="0" y="0"/>
-          <a:chExt cx="0" cy="0"/>
-        </a:xfrm>
-      </p:grpSpPr>
-      <p:sp>
-        <p:nvSpPr>
-          <p:cNvPr id="35" name="제목 1"/>
-          <p:cNvSpPr txBox="1"/>
-          <p:nvPr/>
-        </p:nvSpPr>
-        <p:spPr>
-          <a:xfrm>
-            <a:off x="251520" y="249555"/>
-            <a:ext cx="8640960" cy="474177"/>
-          </a:xfrm>
-          <a:prstGeom prst="rect">
-            <a:avLst/>
-          </a:prstGeom>
-        </p:spPr>
-        <p:txBody>
-          <a:bodyPr vert="horz" wrap="square" lIns="91440" tIns="45720" rIns="91440" bIns="45720" anchor="ctr">
-            <a:spAutoFit/>
-          </a:bodyPr>
-          <a:lstStyle>
-            <a:lvl1pPr algn="l" defTabSz="914400" rtl="0" eaLnBrk="1" latinLnBrk="1" hangingPunct="1">
-              <a:lnSpc>
-                <a:spcPct val="90000"/>
-              </a:lnSpc>
-              <a:spcBef>
-                <a:spcPct val="0"/>
-              </a:spcBef>
-              <a:buNone/>
-              <a:defRPr sz="2800" b="0" kern="1200">
-                <a:solidFill>
-                  <a:schemeClr val="tx1"/>
-                </a:solidFill>
-                <a:effectLst/>
-                <a:latin typeface="-윤고딕320"/>
-                <a:ea typeface="-윤고딕320"/>
-                <a:cs typeface="+mj-cs"/>
-              </a:defRPr>
-            </a:lvl1pPr>
-          </a:lstStyle>
-          <a:p>
-            <a:pPr lvl="0">
-              <a:defRPr/>
-            </a:pPr>
-            <a:r>
-              <a:rPr lang="en-US" altLang="ko-KR">
-                <a:latin typeface="+mn-ea"/>
-                <a:ea typeface="+mn-ea"/>
-              </a:rPr>
-              <a:t>1. </a:t>
-            </a:r>
-            <a:r>
-              <a:rPr lang="ko-KR" altLang="en-US">
-                <a:latin typeface="+mn-ea"/>
-                <a:ea typeface="+mn-ea"/>
-              </a:rPr>
-              <a:t>울산페이 데이터 분석 개요</a:t>
-            </a:r>
-          </a:p>
-        </p:txBody>
-      </p:sp>
-      <p:sp>
-        <p:nvSpPr>
-          <p:cNvPr id="6" name="텍스트 개체 틀 10"/>
-          <p:cNvSpPr>
-            <a:spLocks noGrp="1"/>
-          </p:cNvSpPr>
-          <p:nvPr>
-            <p:ph type="body" sz="quarter" idx="13"/>
-          </p:nvPr>
-        </p:nvSpPr>
-        <p:spPr>
-          <a:xfrm>
-            <a:off x="544513" y="1668463"/>
-            <a:ext cx="7970837" cy="4249737"/>
-          </a:xfrm>
-        </p:spPr>
-        <p:txBody>
-          <a:bodyPr/>
-          <a:lstStyle/>
-          <a:p>
-            <a:pPr marL="177800" indent="-177800">
-              <a:defRPr/>
-            </a:pPr>
-            <a:r>
-              <a:rPr lang="ko-KR" altLang="en-US" dirty="0">
-                <a:latin typeface="+mn-ea"/>
-              </a:rPr>
-              <a:t>울산페이를 사용함으로써 지역경제의 활성화를 도모하고 울산 지역 소상공인들에게 소득공제 혜택을 줄 수 있다</a:t>
-            </a:r>
-            <a:r>
-              <a:rPr lang="en-US" altLang="ko-KR" dirty="0">
-                <a:latin typeface="+mn-ea"/>
-              </a:rPr>
-              <a:t>.</a:t>
-            </a:r>
-            <a:r>
-              <a:rPr lang="ko-KR" altLang="en-US" dirty="0">
-                <a:latin typeface="+mn-ea"/>
-              </a:rPr>
-              <a:t> 따라서 많이 사용되는 업종분야 및 여러 항목을 분석함으로써 울산페이의 활성화 및 개선 방향에</a:t>
-            </a:r>
-            <a:r>
-              <a:rPr lang="en-US" altLang="ko-KR" dirty="0">
-                <a:latin typeface="+mn-ea"/>
-              </a:rPr>
-              <a:t> </a:t>
-            </a:r>
-            <a:r>
-              <a:rPr lang="ko-KR" altLang="en-US" dirty="0">
-                <a:latin typeface="+mn-ea"/>
-              </a:rPr>
-              <a:t>대해 제시할 수 있다</a:t>
-            </a:r>
-            <a:r>
-              <a:rPr lang="en-US" altLang="ko-KR" dirty="0">
-                <a:latin typeface="+mn-ea"/>
-              </a:rPr>
-              <a:t>.</a:t>
-            </a:r>
-          </a:p>
-          <a:p>
-            <a:pPr marL="0" indent="0">
-              <a:buNone/>
-              <a:defRPr/>
-            </a:pPr>
-            <a:endParaRPr lang="en-US" altLang="ko-KR" dirty="0">
-              <a:latin typeface="+mn-ea"/>
-            </a:endParaRPr>
-          </a:p>
-          <a:p>
-            <a:pPr marL="177800" indent="-177800">
-              <a:defRPr/>
-            </a:pPr>
-            <a:r>
-              <a:rPr lang="ko-KR" altLang="en-US" dirty="0">
-                <a:latin typeface="+mn-ea"/>
-              </a:rPr>
-              <a:t>울산페이 사용 현황 분석을 통하여 데이터 기반 소비 패턴 분석 및 울산 시장 활성화 방안 수립</a:t>
-            </a:r>
-            <a:endParaRPr lang="en-US" altLang="ko-KR" dirty="0">
-              <a:latin typeface="+mn-ea"/>
-            </a:endParaRPr>
-          </a:p>
-        </p:txBody>
-      </p:sp>
-      <p:sp>
-        <p:nvSpPr>
-          <p:cNvPr id="7" name="사각형: 둥근 모서리 6"/>
-          <p:cNvSpPr/>
-          <p:nvPr/>
-        </p:nvSpPr>
-        <p:spPr>
-          <a:xfrm>
-            <a:off x="544513" y="1144746"/>
-            <a:ext cx="2819921" cy="416160"/>
-          </a:xfrm>
-          <a:prstGeom prst="roundRect">
-            <a:avLst>
-              <a:gd name="adj" fmla="val 36422"/>
-            </a:avLst>
-          </a:prstGeom>
-        </p:spPr>
-        <p:style>
-          <a:lnRef idx="2">
-            <a:schemeClr val="accent1">
-              <a:shade val="50000"/>
-            </a:schemeClr>
-          </a:lnRef>
-          <a:fillRef idx="1">
-            <a:schemeClr val="accent1"/>
-          </a:fillRef>
-          <a:effectRef idx="0">
-            <a:schemeClr val="accent1"/>
-          </a:effectRef>
-          <a:fontRef idx="minor">
-            <a:schemeClr val="lt1"/>
-          </a:fontRef>
-        </p:style>
-        <p:txBody>
-          <a:bodyPr anchor="ctr"/>
-          <a:lstStyle/>
-          <a:p>
-            <a:pPr algn="ctr">
-              <a:defRPr/>
-            </a:pPr>
-            <a:r>
-              <a:rPr lang="ko-KR" altLang="en-US" sz="2000" b="1"/>
-              <a:t>분석 배경</a:t>
-            </a:r>
-          </a:p>
-        </p:txBody>
-      </p:sp>
-      <p:sp>
-        <p:nvSpPr>
-          <p:cNvPr id="9" name="사각형: 둥근 모서리 8"/>
-          <p:cNvSpPr/>
-          <p:nvPr/>
-        </p:nvSpPr>
-        <p:spPr>
-          <a:xfrm>
-            <a:off x="544512" y="2874360"/>
-            <a:ext cx="2819921" cy="416160"/>
-          </a:xfrm>
-          <a:prstGeom prst="roundRect">
-            <a:avLst>
-              <a:gd name="adj" fmla="val 36422"/>
-            </a:avLst>
-          </a:prstGeom>
-        </p:spPr>
-        <p:style>
-          <a:lnRef idx="2">
-            <a:schemeClr val="accent1">
-              <a:shade val="50000"/>
-            </a:schemeClr>
-          </a:lnRef>
-          <a:fillRef idx="1">
-            <a:schemeClr val="accent1"/>
-          </a:fillRef>
-          <a:effectRef idx="0">
-            <a:schemeClr val="accent1"/>
-          </a:effectRef>
-          <a:fontRef idx="minor">
-            <a:schemeClr val="lt1"/>
-          </a:fontRef>
-        </p:style>
-        <p:txBody>
-          <a:bodyPr anchor="ctr"/>
-          <a:lstStyle/>
-          <a:p>
-            <a:pPr algn="ctr">
-              <a:defRPr/>
-            </a:pPr>
-            <a:r>
-              <a:rPr lang="ko-KR" altLang="en-US" sz="2000" b="1"/>
-              <a:t>분석 목적</a:t>
-            </a:r>
-          </a:p>
-        </p:txBody>
-      </p:sp>
-    </p:spTree>
-  </p:cSld>
-  <p:clrMapOvr>
-    <a:masterClrMapping/>
-  </p:clrMapOvr>
-  <mc:AlternateContent xmlns:mc="http://schemas.openxmlformats.org/markup-compatibility/2006" xmlns:p14="http://schemas.microsoft.com/office/powerpoint/2010/main">
-    <mc:Choice Requires="p14">
-      <p:transition/>
-    </mc:Choice>
-    <mc:Fallback xmlns:dsp="http://schemas.microsoft.com/office/drawing/2008/diagram" xmlns:dgm="http://schemas.openxmlformats.org/drawingml/2006/diagram" xmlns:c="http://schemas.openxmlformats.org/drawingml/2006/chart" xmlns="">
-      <p:transition/>
-    </mc:Fallback>
-  </mc:AlternateContent>
-</p:sld>
-</file>
-
-<file path=ppt/slides/slide20.xml><?xml version="1.0" encoding="utf-8"?>
+<file path=ppt/slides/slide22.xml><?xml version="1.0" encoding="utf-8"?>
 <p:sld xmlns:a="http://schemas.openxmlformats.org/drawingml/2006/main" xmlns:r="http://schemas.openxmlformats.org/officeDocument/2006/relationships" xmlns:p="http://schemas.openxmlformats.org/presentationml/2006/main">
   <p:cSld>
     <p:spTree>
@@ -22013,7 +25934,7 @@
 </p:sld>
 </file>
 
-<file path=ppt/slides/slide21.xml><?xml version="1.0" encoding="utf-8"?>
+<file path=ppt/slides/slide23.xml><?xml version="1.0" encoding="utf-8"?>
 <p:sld xmlns:a="http://schemas.openxmlformats.org/drawingml/2006/main" xmlns:r="http://schemas.openxmlformats.org/officeDocument/2006/relationships" xmlns:p="http://schemas.openxmlformats.org/presentationml/2006/main">
   <p:cSld>
     <p:spTree>
@@ -24873,7 +28794,7 @@
 </p:sld>
 </file>
 
-<file path=ppt/slides/slide22.xml><?xml version="1.0" encoding="utf-8"?>
+<file path=ppt/slides/slide24.xml><?xml version="1.0" encoding="utf-8"?>
 <p:sld xmlns:a="http://schemas.openxmlformats.org/drawingml/2006/main" xmlns:r="http://schemas.openxmlformats.org/officeDocument/2006/relationships" xmlns:p="http://schemas.openxmlformats.org/presentationml/2006/main">
   <p:cSld>
     <p:spTree>
@@ -26518,7 +30439,7 @@
 </p:sld>
 </file>
 
-<file path=ppt/slides/slide23.xml><?xml version="1.0" encoding="utf-8"?>
+<file path=ppt/slides/slide25.xml><?xml version="1.0" encoding="utf-8"?>
 <p:sld xmlns:a="http://schemas.openxmlformats.org/drawingml/2006/main" xmlns:r="http://schemas.openxmlformats.org/officeDocument/2006/relationships" xmlns:p="http://schemas.openxmlformats.org/presentationml/2006/main">
   <p:cSld>
     <p:spTree>
@@ -29210,7 +33131,7 @@
         </p:nvSpPr>
         <p:spPr>
           <a:xfrm>
-            <a:off x="117049" y="1668463"/>
+            <a:off x="215665" y="1668463"/>
             <a:ext cx="8676815" cy="4795712"/>
           </a:xfrm>
           <a:prstGeom prst="rect">
